--- a/詩篇第二十三篇_version_2.pptx
+++ b/詩篇第二十三篇_version_2.pptx
@@ -5,13 +5,19 @@
     <p:sldMasterId id="2147483672" r:id="rId1"/>
   </p:sldMasterIdLst>
   <p:sldIdLst>
-    <p:sldId id="256" r:id="rId2"/>
-    <p:sldId id="257" r:id="rId3"/>
-    <p:sldId id="258" r:id="rId4"/>
-    <p:sldId id="259" r:id="rId5"/>
-    <p:sldId id="260" r:id="rId6"/>
+    <p:sldId id="261" r:id="rId2"/>
+    <p:sldId id="262" r:id="rId3"/>
+    <p:sldId id="263" r:id="rId4"/>
+    <p:sldId id="264" r:id="rId5"/>
+    <p:sldId id="265" r:id="rId6"/>
+    <p:sldId id="266" r:id="rId7"/>
+    <p:sldId id="267" r:id="rId8"/>
+    <p:sldId id="268" r:id="rId9"/>
+    <p:sldId id="269" r:id="rId10"/>
+    <p:sldId id="270" r:id="rId11"/>
+    <p:sldId id="271" r:id="rId12"/>
   </p:sldIdLst>
-  <p:sldSz cx="9144000" cy="6858000" type="screen4x3"/>
+  <p:sldSz cx="9144000" cy="5143500" type="screen16x9"/>
   <p:notesSz cx="6858000" cy="9144000"/>
   <p:defaultTextStyle>
     <a:defPPr>
@@ -140,8 +146,8 @@
         </p:nvSpPr>
         <p:spPr>
           <a:xfrm>
-            <a:off x="685800" y="2130425"/>
-            <a:ext cx="7772400" cy="1470025"/>
+            <a:off x="685800" y="1597819"/>
+            <a:ext cx="7772400" cy="1102519"/>
           </a:xfrm>
         </p:spPr>
         <p:txBody>
@@ -168,8 +174,8 @@
         </p:nvSpPr>
         <p:spPr>
           <a:xfrm>
-            <a:off x="1371600" y="3886200"/>
-            <a:ext cx="6400800" cy="1752600"/>
+            <a:off x="1371600" y="2914650"/>
+            <a:ext cx="6400800" cy="1314450"/>
           </a:xfrm>
         </p:spPr>
         <p:txBody>
@@ -293,7 +299,7 @@
             <a:fld id="{93ECE03C-A371-4485-BF1E-27D7131881BB}" type="datetimeFigureOut">
               <a:rPr lang="zh-TW" altLang="en-US" smtClean="0"/>
               <a:pPr/>
-              <a:t>2017/11/7</a:t>
+              <a:t>2022/11/12</a:t>
             </a:fld>
             <a:endParaRPr lang="zh-TW" altLang="en-US"/>
           </a:p>
@@ -460,7 +466,7 @@
             <a:fld id="{93ECE03C-A371-4485-BF1E-27D7131881BB}" type="datetimeFigureOut">
               <a:rPr lang="zh-TW" altLang="en-US" smtClean="0"/>
               <a:pPr/>
-              <a:t>2017/11/7</a:t>
+              <a:t>2022/11/12</a:t>
             </a:fld>
             <a:endParaRPr lang="zh-TW" altLang="en-US"/>
           </a:p>
@@ -546,8 +552,8 @@
         </p:nvSpPr>
         <p:spPr>
           <a:xfrm>
-            <a:off x="6629400" y="274638"/>
-            <a:ext cx="2057400" cy="5851525"/>
+            <a:off x="6629400" y="205979"/>
+            <a:ext cx="2057400" cy="4388644"/>
           </a:xfrm>
         </p:spPr>
         <p:txBody>
@@ -574,8 +580,8 @@
         </p:nvSpPr>
         <p:spPr>
           <a:xfrm>
-            <a:off x="457200" y="274638"/>
-            <a:ext cx="6019800" cy="5851525"/>
+            <a:off x="457200" y="205979"/>
+            <a:ext cx="6019800" cy="4388644"/>
           </a:xfrm>
         </p:spPr>
         <p:txBody>
@@ -637,7 +643,7 @@
             <a:fld id="{93ECE03C-A371-4485-BF1E-27D7131881BB}" type="datetimeFigureOut">
               <a:rPr lang="zh-TW" altLang="en-US" smtClean="0"/>
               <a:pPr/>
-              <a:t>2017/11/7</a:t>
+              <a:t>2022/11/12</a:t>
             </a:fld>
             <a:endParaRPr lang="zh-TW" altLang="en-US"/>
           </a:p>
@@ -804,7 +810,7 @@
             <a:fld id="{93ECE03C-A371-4485-BF1E-27D7131881BB}" type="datetimeFigureOut">
               <a:rPr lang="zh-TW" altLang="en-US" smtClean="0"/>
               <a:pPr/>
-              <a:t>2017/11/7</a:t>
+              <a:t>2022/11/12</a:t>
             </a:fld>
             <a:endParaRPr lang="zh-TW" altLang="en-US"/>
           </a:p>
@@ -890,8 +896,8 @@
         </p:nvSpPr>
         <p:spPr>
           <a:xfrm>
-            <a:off x="722313" y="4406900"/>
-            <a:ext cx="7772400" cy="1362075"/>
+            <a:off x="722313" y="3305176"/>
+            <a:ext cx="7772400" cy="1021556"/>
           </a:xfrm>
         </p:spPr>
         <p:txBody>
@@ -922,8 +928,8 @@
         </p:nvSpPr>
         <p:spPr>
           <a:xfrm>
-            <a:off x="722313" y="2906713"/>
-            <a:ext cx="7772400" cy="1500187"/>
+            <a:off x="722313" y="2180035"/>
+            <a:ext cx="7772400" cy="1125140"/>
           </a:xfrm>
         </p:spPr>
         <p:txBody>
@@ -1047,7 +1053,7 @@
             <a:fld id="{93ECE03C-A371-4485-BF1E-27D7131881BB}" type="datetimeFigureOut">
               <a:rPr lang="zh-TW" altLang="en-US" smtClean="0"/>
               <a:pPr/>
-              <a:t>2017/11/7</a:t>
+              <a:t>2022/11/12</a:t>
             </a:fld>
             <a:endParaRPr lang="zh-TW" altLang="en-US"/>
           </a:p>
@@ -1156,8 +1162,8 @@
         </p:nvSpPr>
         <p:spPr>
           <a:xfrm>
-            <a:off x="457200" y="1600200"/>
-            <a:ext cx="4038600" cy="4525963"/>
+            <a:off x="457200" y="1200151"/>
+            <a:ext cx="4038600" cy="3394472"/>
           </a:xfrm>
         </p:spPr>
         <p:txBody>
@@ -1241,8 +1247,8 @@
         </p:nvSpPr>
         <p:spPr>
           <a:xfrm>
-            <a:off x="4648200" y="1600200"/>
-            <a:ext cx="4038600" cy="4525963"/>
+            <a:off x="4648200" y="1200151"/>
+            <a:ext cx="4038600" cy="3394472"/>
           </a:xfrm>
         </p:spPr>
         <p:txBody>
@@ -1332,7 +1338,7 @@
             <a:fld id="{93ECE03C-A371-4485-BF1E-27D7131881BB}" type="datetimeFigureOut">
               <a:rPr lang="zh-TW" altLang="en-US" smtClean="0"/>
               <a:pPr/>
-              <a:t>2017/11/7</a:t>
+              <a:t>2022/11/12</a:t>
             </a:fld>
             <a:endParaRPr lang="zh-TW" altLang="en-US"/>
           </a:p>
@@ -1445,8 +1451,8 @@
         </p:nvSpPr>
         <p:spPr>
           <a:xfrm>
-            <a:off x="457200" y="1535113"/>
-            <a:ext cx="4040188" cy="639762"/>
+            <a:off x="457200" y="1151335"/>
+            <a:ext cx="4040188" cy="479822"/>
           </a:xfrm>
         </p:spPr>
         <p:txBody>
@@ -1510,8 +1516,8 @@
         </p:nvSpPr>
         <p:spPr>
           <a:xfrm>
-            <a:off x="457200" y="2174875"/>
-            <a:ext cx="4040188" cy="3951288"/>
+            <a:off x="457200" y="1631156"/>
+            <a:ext cx="4040188" cy="2963466"/>
           </a:xfrm>
         </p:spPr>
         <p:txBody>
@@ -1595,8 +1601,8 @@
         </p:nvSpPr>
         <p:spPr>
           <a:xfrm>
-            <a:off x="4645025" y="1535113"/>
-            <a:ext cx="4041775" cy="639762"/>
+            <a:off x="4645026" y="1151335"/>
+            <a:ext cx="4041775" cy="479822"/>
           </a:xfrm>
         </p:spPr>
         <p:txBody>
@@ -1660,8 +1666,8 @@
         </p:nvSpPr>
         <p:spPr>
           <a:xfrm>
-            <a:off x="4645025" y="2174875"/>
-            <a:ext cx="4041775" cy="3951288"/>
+            <a:off x="4645026" y="1631156"/>
+            <a:ext cx="4041775" cy="2963466"/>
           </a:xfrm>
         </p:spPr>
         <p:txBody>
@@ -1751,7 +1757,7 @@
             <a:fld id="{93ECE03C-A371-4485-BF1E-27D7131881BB}" type="datetimeFigureOut">
               <a:rPr lang="zh-TW" altLang="en-US" smtClean="0"/>
               <a:pPr/>
-              <a:t>2017/11/7</a:t>
+              <a:t>2022/11/12</a:t>
             </a:fld>
             <a:endParaRPr lang="zh-TW" altLang="en-US"/>
           </a:p>
@@ -1866,7 +1872,7 @@
             <a:fld id="{93ECE03C-A371-4485-BF1E-27D7131881BB}" type="datetimeFigureOut">
               <a:rPr lang="zh-TW" altLang="en-US" smtClean="0"/>
               <a:pPr/>
-              <a:t>2017/11/7</a:t>
+              <a:t>2022/11/12</a:t>
             </a:fld>
             <a:endParaRPr lang="zh-TW" altLang="en-US"/>
           </a:p>
@@ -1958,7 +1964,7 @@
             <a:fld id="{93ECE03C-A371-4485-BF1E-27D7131881BB}" type="datetimeFigureOut">
               <a:rPr lang="zh-TW" altLang="en-US" smtClean="0"/>
               <a:pPr/>
-              <a:t>2017/11/7</a:t>
+              <a:t>2022/11/12</a:t>
             </a:fld>
             <a:endParaRPr lang="zh-TW" altLang="en-US"/>
           </a:p>
@@ -2044,8 +2050,8 @@
         </p:nvSpPr>
         <p:spPr>
           <a:xfrm>
-            <a:off x="457200" y="273050"/>
-            <a:ext cx="3008313" cy="1162050"/>
+            <a:off x="457201" y="204787"/>
+            <a:ext cx="3008313" cy="871538"/>
           </a:xfrm>
         </p:spPr>
         <p:txBody>
@@ -2076,8 +2082,8 @@
         </p:nvSpPr>
         <p:spPr>
           <a:xfrm>
-            <a:off x="3575050" y="273050"/>
-            <a:ext cx="5111750" cy="5853113"/>
+            <a:off x="3575050" y="204788"/>
+            <a:ext cx="5111750" cy="4389835"/>
           </a:xfrm>
         </p:spPr>
         <p:txBody>
@@ -2161,8 +2167,8 @@
         </p:nvSpPr>
         <p:spPr>
           <a:xfrm>
-            <a:off x="457200" y="1435100"/>
-            <a:ext cx="3008313" cy="4691063"/>
+            <a:off x="457201" y="1076326"/>
+            <a:ext cx="3008313" cy="3518297"/>
           </a:xfrm>
         </p:spPr>
         <p:txBody>
@@ -2232,7 +2238,7 @@
             <a:fld id="{93ECE03C-A371-4485-BF1E-27D7131881BB}" type="datetimeFigureOut">
               <a:rPr lang="zh-TW" altLang="en-US" smtClean="0"/>
               <a:pPr/>
-              <a:t>2017/11/7</a:t>
+              <a:t>2022/11/12</a:t>
             </a:fld>
             <a:endParaRPr lang="zh-TW" altLang="en-US"/>
           </a:p>
@@ -2318,8 +2324,8 @@
         </p:nvSpPr>
         <p:spPr>
           <a:xfrm>
-            <a:off x="1792288" y="4800600"/>
-            <a:ext cx="5486400" cy="566738"/>
+            <a:off x="1792288" y="3600450"/>
+            <a:ext cx="5486400" cy="425054"/>
           </a:xfrm>
         </p:spPr>
         <p:txBody>
@@ -2350,8 +2356,8 @@
         </p:nvSpPr>
         <p:spPr>
           <a:xfrm>
-            <a:off x="1792288" y="612775"/>
-            <a:ext cx="5486400" cy="4114800"/>
+            <a:off x="1792288" y="459581"/>
+            <a:ext cx="5486400" cy="3086100"/>
           </a:xfrm>
         </p:spPr>
         <p:txBody>
@@ -2415,8 +2421,8 @@
         </p:nvSpPr>
         <p:spPr>
           <a:xfrm>
-            <a:off x="1792288" y="5367338"/>
-            <a:ext cx="5486400" cy="804862"/>
+            <a:off x="1792288" y="4025503"/>
+            <a:ext cx="5486400" cy="603647"/>
           </a:xfrm>
         </p:spPr>
         <p:txBody>
@@ -2486,7 +2492,7 @@
             <a:fld id="{93ECE03C-A371-4485-BF1E-27D7131881BB}" type="datetimeFigureOut">
               <a:rPr lang="zh-TW" altLang="en-US" smtClean="0"/>
               <a:pPr/>
-              <a:t>2017/11/7</a:t>
+              <a:t>2022/11/12</a:t>
             </a:fld>
             <a:endParaRPr lang="zh-TW" altLang="en-US"/>
           </a:p>
@@ -2582,8 +2588,8 @@
         </p:nvSpPr>
         <p:spPr>
           <a:xfrm>
-            <a:off x="457200" y="274638"/>
-            <a:ext cx="8229600" cy="1143000"/>
+            <a:off x="457200" y="205978"/>
+            <a:ext cx="8229600" cy="857250"/>
           </a:xfrm>
           <a:prstGeom prst="rect">
             <a:avLst/>
@@ -2615,8 +2621,8 @@
         </p:nvSpPr>
         <p:spPr>
           <a:xfrm>
-            <a:off x="457200" y="1600200"/>
-            <a:ext cx="8229600" cy="4525963"/>
+            <a:off x="457200" y="1200151"/>
+            <a:ext cx="8229600" cy="3394472"/>
           </a:xfrm>
           <a:prstGeom prst="rect">
             <a:avLst/>
@@ -2677,8 +2683,8 @@
         </p:nvSpPr>
         <p:spPr>
           <a:xfrm>
-            <a:off x="457200" y="6356350"/>
-            <a:ext cx="2133600" cy="365125"/>
+            <a:off x="457200" y="4767263"/>
+            <a:ext cx="2133600" cy="273844"/>
           </a:xfrm>
           <a:prstGeom prst="rect">
             <a:avLst/>
@@ -2701,7 +2707,7 @@
             <a:fld id="{93ECE03C-A371-4485-BF1E-27D7131881BB}" type="datetimeFigureOut">
               <a:rPr lang="zh-TW" altLang="en-US" smtClean="0"/>
               <a:pPr/>
-              <a:t>2017/11/7</a:t>
+              <a:t>2022/11/12</a:t>
             </a:fld>
             <a:endParaRPr lang="zh-TW" altLang="en-US"/>
           </a:p>
@@ -2719,8 +2725,8 @@
         </p:nvSpPr>
         <p:spPr>
           <a:xfrm>
-            <a:off x="3124200" y="6356350"/>
-            <a:ext cx="2895600" cy="365125"/>
+            <a:off x="3124200" y="4767263"/>
+            <a:ext cx="2895600" cy="273844"/>
           </a:xfrm>
           <a:prstGeom prst="rect">
             <a:avLst/>
@@ -2756,8 +2762,8 @@
         </p:nvSpPr>
         <p:spPr>
           <a:xfrm>
-            <a:off x="6553200" y="6356350"/>
-            <a:ext cx="2133600" cy="365125"/>
+            <a:off x="6553200" y="4767263"/>
+            <a:ext cx="2133600" cy="273844"/>
           </a:xfrm>
           <a:prstGeom prst="rect">
             <a:avLst/>
@@ -3082,115 +3088,80 @@
             <p:ph type="title"/>
           </p:nvPr>
         </p:nvSpPr>
-        <p:spPr/>
-        <p:txBody>
-          <a:bodyPr/>
-          <a:lstStyle/>
-          <a:p>
-            <a:r>
-              <a:rPr lang="zh-CN" altLang="en-US" b="1" dirty="0" smtClean="0">
+        <p:spPr>
+          <a:xfrm>
+            <a:off x="0" y="1995686"/>
+            <a:ext cx="9144000" cy="857250"/>
+          </a:xfrm>
+        </p:spPr>
+        <p:txBody>
+          <a:bodyPr>
+            <a:noAutofit/>
+          </a:bodyPr>
+          <a:lstStyle/>
+          <a:p>
+            <a:r>
+              <a:rPr lang="zh-CN" altLang="en-US" sz="5400" b="1" i="1" dirty="0" smtClean="0">
+                <a:solidFill>
+                  <a:srgbClr val="660033"/>
+                </a:solidFill>
+                <a:effectLst>
+                  <a:outerShdw blurRad="38100" dist="38100" dir="2700000" algn="tl">
+                    <a:srgbClr val="000000">
+                      <a:alpha val="43137"/>
+                    </a:srgbClr>
+                  </a:outerShdw>
+                </a:effectLst>
                 <a:latin typeface="微軟正黑體" pitchFamily="34" charset="-120"/>
                 <a:ea typeface="微軟正黑體" pitchFamily="34" charset="-120"/>
               </a:rPr>
               <a:t>詩篇</a:t>
             </a:r>
             <a:r>
-              <a:rPr lang="en-US" altLang="zh-CN" b="1" dirty="0" smtClean="0">
+              <a:rPr lang="en-US" altLang="zh-CN" sz="5400" b="1" i="1" dirty="0" smtClean="0">
+                <a:solidFill>
+                  <a:srgbClr val="660033"/>
+                </a:solidFill>
+                <a:effectLst>
+                  <a:outerShdw blurRad="38100" dist="38100" dir="2700000" algn="tl">
+                    <a:srgbClr val="000000">
+                      <a:alpha val="43137"/>
+                    </a:srgbClr>
+                  </a:outerShdw>
+                </a:effectLst>
                 <a:latin typeface="微軟正黑體" pitchFamily="34" charset="-120"/>
                 <a:ea typeface="微軟正黑體" pitchFamily="34" charset="-120"/>
               </a:rPr>
               <a:t>23</a:t>
             </a:r>
             <a:r>
-              <a:rPr lang="zh-CN" altLang="en-US" b="1" dirty="0">
+              <a:rPr lang="zh-CN" altLang="en-US" sz="5400" b="1" i="1" dirty="0" smtClean="0">
+                <a:solidFill>
+                  <a:srgbClr val="660033"/>
+                </a:solidFill>
+                <a:effectLst>
+                  <a:outerShdw blurRad="38100" dist="38100" dir="2700000" algn="tl">
+                    <a:srgbClr val="000000">
+                      <a:alpha val="43137"/>
+                    </a:srgbClr>
+                  </a:outerShdw>
+                </a:effectLst>
                 <a:latin typeface="微軟正黑體" pitchFamily="34" charset="-120"/>
                 <a:ea typeface="微軟正黑體" pitchFamily="34" charset="-120"/>
               </a:rPr>
               <a:t>篇</a:t>
             </a:r>
-            <a:endParaRPr lang="zh-TW" altLang="en-US" b="1" dirty="0">
-              <a:latin typeface="微軟正黑體" pitchFamily="34" charset="-120"/>
-              <a:ea typeface="微軟正黑體" pitchFamily="34" charset="-120"/>
-            </a:endParaRPr>
-          </a:p>
-        </p:txBody>
-      </p:sp>
-      <p:sp>
-        <p:nvSpPr>
-          <p:cNvPr id="5" name="內容版面配置區 4"/>
-          <p:cNvSpPr>
-            <a:spLocks noGrp="1"/>
-          </p:cNvSpPr>
-          <p:nvPr>
-            <p:ph idx="1"/>
-          </p:nvPr>
-        </p:nvSpPr>
-        <p:spPr/>
-        <p:txBody>
-          <a:bodyPr>
-            <a:normAutofit/>
-          </a:bodyPr>
-          <a:lstStyle/>
-          <a:p>
-            <a:pPr algn="ctr">
-              <a:buNone/>
-            </a:pPr>
-            <a:r>
-              <a:rPr lang="zh-CN" altLang="en-US" sz="5400" b="1" dirty="0" smtClean="0">
-                <a:latin typeface="微軟正黑體" pitchFamily="34" charset="-120"/>
-                <a:ea typeface="微軟正黑體" pitchFamily="34" charset="-120"/>
-              </a:rPr>
-              <a:t>耶和華是我的牧者</a:t>
-            </a:r>
-            <a:endParaRPr lang="en-US" altLang="zh-CN" sz="5400" b="1" dirty="0" smtClean="0">
-              <a:latin typeface="微軟正黑體" pitchFamily="34" charset="-120"/>
-              <a:ea typeface="微軟正黑體" pitchFamily="34" charset="-120"/>
-            </a:endParaRPr>
-          </a:p>
-          <a:p>
-            <a:pPr algn="ctr">
-              <a:buNone/>
-            </a:pPr>
-            <a:r>
-              <a:rPr lang="zh-CN" altLang="en-US" sz="5400" b="1" dirty="0" smtClean="0">
-                <a:latin typeface="微軟正黑體" pitchFamily="34" charset="-120"/>
-                <a:ea typeface="微軟正黑體" pitchFamily="34" charset="-120"/>
-              </a:rPr>
-              <a:t>我必不至缺乏</a:t>
-            </a:r>
-            <a:endParaRPr lang="en-US" altLang="zh-CN" sz="5400" b="1" dirty="0" smtClean="0">
-              <a:latin typeface="微軟正黑體" pitchFamily="34" charset="-120"/>
-              <a:ea typeface="微軟正黑體" pitchFamily="34" charset="-120"/>
-            </a:endParaRPr>
-          </a:p>
-          <a:p>
-            <a:pPr algn="ctr">
-              <a:buNone/>
-            </a:pPr>
-            <a:r>
-              <a:rPr lang="zh-CN" altLang="en-US" sz="5400" b="1" dirty="0" smtClean="0">
-                <a:latin typeface="微軟正黑體" pitchFamily="34" charset="-120"/>
-                <a:ea typeface="微軟正黑體" pitchFamily="34" charset="-120"/>
-              </a:rPr>
-              <a:t>祂使我躺臥青草地上</a:t>
-            </a:r>
-            <a:endParaRPr lang="en-US" altLang="zh-CN" sz="5400" b="1" dirty="0" smtClean="0">
-              <a:latin typeface="微軟正黑體" pitchFamily="34" charset="-120"/>
-              <a:ea typeface="微軟正黑體" pitchFamily="34" charset="-120"/>
-            </a:endParaRPr>
-          </a:p>
-          <a:p>
-            <a:pPr algn="ctr">
-              <a:buNone/>
-            </a:pPr>
-            <a:r>
-              <a:rPr lang="zh-CN" altLang="en-US" sz="5400" b="1" dirty="0" smtClean="0">
-                <a:latin typeface="微軟正黑體" pitchFamily="34" charset="-120"/>
-                <a:ea typeface="微軟正黑體" pitchFamily="34" charset="-120"/>
-              </a:rPr>
-              <a:t>領我在可安歇的水邊</a:t>
-            </a:r>
-            <a:endParaRPr lang="zh-TW" altLang="en-US" sz="5400" b="1" dirty="0">
+            <a:endParaRPr lang="zh-TW" altLang="en-US" sz="5400" b="1" i="1" dirty="0">
+              <a:solidFill>
+                <a:srgbClr val="660033"/>
+              </a:solidFill>
+              <a:effectLst>
+                <a:outerShdw blurRad="38100" dist="38100" dir="2700000" algn="tl">
+                  <a:srgbClr val="000000">
+                    <a:alpha val="43137"/>
+                  </a:srgbClr>
+                </a:outerShdw>
+              </a:effectLst>
               <a:latin typeface="微軟正黑體" pitchFamily="34" charset="-120"/>
               <a:ea typeface="微軟正黑體" pitchFamily="34" charset="-120"/>
             </a:endParaRPr>
@@ -3202,13 +3173,334 @@
   <p:clrMapOvr>
     <a:masterClrMapping/>
   </p:clrMapOvr>
-  <p:timing>
-    <p:tnLst>
-      <p:par>
-        <p:cTn id="1" dur="indefinite" restart="never" nodeType="tmRoot"/>
-      </p:par>
-    </p:tnLst>
-  </p:timing>
+</p:sld>
+</file>
+
+<file path=ppt/slides/slide10.xml><?xml version="1.0" encoding="utf-8"?>
+<p:sld xmlns:a="http://schemas.openxmlformats.org/drawingml/2006/main" xmlns:r="http://schemas.openxmlformats.org/officeDocument/2006/relationships" xmlns:p="http://schemas.openxmlformats.org/presentationml/2006/main">
+  <p:cSld>
+    <p:spTree>
+      <p:nvGrpSpPr>
+        <p:cNvPr id="1" name=""/>
+        <p:cNvGrpSpPr/>
+        <p:nvPr/>
+      </p:nvGrpSpPr>
+      <p:grpSpPr>
+        <a:xfrm>
+          <a:off x="0" y="0"/>
+          <a:ext cx="0" cy="0"/>
+          <a:chOff x="0" y="0"/>
+          <a:chExt cx="0" cy="0"/>
+        </a:xfrm>
+      </p:grpSpPr>
+      <p:sp>
+        <p:nvSpPr>
+          <p:cNvPr id="5" name="內容版面配置區 4"/>
+          <p:cNvSpPr>
+            <a:spLocks noGrp="1"/>
+          </p:cNvSpPr>
+          <p:nvPr>
+            <p:ph idx="1"/>
+          </p:nvPr>
+        </p:nvSpPr>
+        <p:spPr>
+          <a:xfrm>
+            <a:off x="0" y="1563638"/>
+            <a:ext cx="9144000" cy="1803647"/>
+          </a:xfrm>
+        </p:spPr>
+        <p:txBody>
+          <a:bodyPr anchor="ctr">
+            <a:normAutofit/>
+          </a:bodyPr>
+          <a:lstStyle/>
+          <a:p>
+            <a:pPr algn="ctr">
+              <a:buNone/>
+            </a:pPr>
+            <a:r>
+              <a:rPr lang="zh-CN" altLang="en-US" sz="4800" b="1" dirty="0" smtClean="0">
+                <a:solidFill>
+                  <a:srgbClr val="660033"/>
+                </a:solidFill>
+                <a:latin typeface="微軟正黑體" pitchFamily="34" charset="-120"/>
+                <a:ea typeface="微軟正黑體" pitchFamily="34" charset="-120"/>
+              </a:rPr>
+              <a:t>我一生一世</a:t>
+            </a:r>
+            <a:endParaRPr lang="en-US" altLang="zh-CN" sz="4800" b="1" dirty="0" smtClean="0">
+              <a:solidFill>
+                <a:srgbClr val="660033"/>
+              </a:solidFill>
+              <a:latin typeface="微軟正黑體" pitchFamily="34" charset="-120"/>
+              <a:ea typeface="微軟正黑體" pitchFamily="34" charset="-120"/>
+            </a:endParaRPr>
+          </a:p>
+          <a:p>
+            <a:pPr algn="ctr">
+              <a:buNone/>
+            </a:pPr>
+            <a:r>
+              <a:rPr lang="zh-CN" altLang="en-US" sz="4800" b="1" dirty="0" smtClean="0">
+                <a:solidFill>
+                  <a:srgbClr val="660033"/>
+                </a:solidFill>
+                <a:latin typeface="微軟正黑體" pitchFamily="34" charset="-120"/>
+                <a:ea typeface="微軟正黑體" pitchFamily="34" charset="-120"/>
+              </a:rPr>
+              <a:t>必有恩惠慈愛隨著我</a:t>
+            </a:r>
+            <a:endParaRPr lang="en-US" altLang="zh-CN" sz="4800" b="1" dirty="0" smtClean="0">
+              <a:solidFill>
+                <a:srgbClr val="660033"/>
+              </a:solidFill>
+              <a:latin typeface="微軟正黑體" pitchFamily="34" charset="-120"/>
+              <a:ea typeface="微軟正黑體" pitchFamily="34" charset="-120"/>
+            </a:endParaRPr>
+          </a:p>
+        </p:txBody>
+      </p:sp>
+      <p:sp>
+        <p:nvSpPr>
+          <p:cNvPr id="3" name="TextBox 2"/>
+          <p:cNvSpPr txBox="1"/>
+          <p:nvPr/>
+        </p:nvSpPr>
+        <p:spPr>
+          <a:xfrm>
+            <a:off x="0" y="3867894"/>
+            <a:ext cx="9144000" cy="523220"/>
+          </a:xfrm>
+          <a:prstGeom prst="rect">
+            <a:avLst/>
+          </a:prstGeom>
+          <a:noFill/>
+        </p:spPr>
+        <p:txBody>
+          <a:bodyPr wrap="square" rtlCol="0">
+            <a:spAutoFit/>
+          </a:bodyPr>
+          <a:lstStyle/>
+          <a:p>
+            <a:pPr algn="ctr"/>
+            <a:r>
+              <a:rPr lang="en-US" sz="2800" b="1" dirty="0" smtClean="0">
+                <a:solidFill>
+                  <a:srgbClr val="660033"/>
+                </a:solidFill>
+                <a:latin typeface="Microsoft JhengHei" panose="020B0604030504040204" pitchFamily="34" charset="-120"/>
+                <a:ea typeface="Microsoft JhengHei" panose="020B0604030504040204" pitchFamily="34" charset="-120"/>
+              </a:rPr>
+              <a:t>( </a:t>
+            </a:r>
+            <a:r>
+              <a:rPr lang="zh-CN" altLang="en-US" sz="2800" b="1" dirty="0" smtClean="0">
+                <a:solidFill>
+                  <a:srgbClr val="660033"/>
+                </a:solidFill>
+                <a:latin typeface="Microsoft JhengHei" panose="020B0604030504040204" pitchFamily="34" charset="-120"/>
+                <a:ea typeface="Microsoft JhengHei" panose="020B0604030504040204" pitchFamily="34" charset="-120"/>
+              </a:rPr>
+              <a:t>副</a:t>
+            </a:r>
+            <a:r>
+              <a:rPr lang="en-US" sz="2800" b="1" dirty="0" smtClean="0">
+                <a:solidFill>
+                  <a:srgbClr val="660033"/>
+                </a:solidFill>
+                <a:latin typeface="Microsoft JhengHei" panose="020B0604030504040204" pitchFamily="34" charset="-120"/>
+                <a:ea typeface="Microsoft JhengHei" panose="020B0604030504040204" pitchFamily="34" charset="-120"/>
+              </a:rPr>
+              <a:t> </a:t>
+            </a:r>
+            <a:r>
+              <a:rPr lang="en-US" sz="2800" b="1" dirty="0" smtClean="0">
+                <a:solidFill>
+                  <a:srgbClr val="660033"/>
+                </a:solidFill>
+                <a:latin typeface="Microsoft JhengHei" panose="020B0604030504040204" pitchFamily="34" charset="-120"/>
+                <a:ea typeface="Microsoft JhengHei" panose="020B0604030504040204" pitchFamily="34" charset="-120"/>
+              </a:rPr>
+              <a:t>)</a:t>
+            </a:r>
+            <a:endParaRPr lang="vi-VN" sz="2800" b="1" dirty="0">
+              <a:solidFill>
+                <a:srgbClr val="660033"/>
+              </a:solidFill>
+              <a:ea typeface="Microsoft JhengHei" panose="020B0604030504040204" pitchFamily="34" charset="-120"/>
+            </a:endParaRPr>
+          </a:p>
+        </p:txBody>
+      </p:sp>
+    </p:spTree>
+  </p:cSld>
+  <p:clrMapOvr>
+    <a:masterClrMapping/>
+  </p:clrMapOvr>
+</p:sld>
+</file>
+
+<file path=ppt/slides/slide11.xml><?xml version="1.0" encoding="utf-8"?>
+<p:sld xmlns:a="http://schemas.openxmlformats.org/drawingml/2006/main" xmlns:r="http://schemas.openxmlformats.org/officeDocument/2006/relationships" xmlns:p="http://schemas.openxmlformats.org/presentationml/2006/main">
+  <p:cSld>
+    <p:spTree>
+      <p:nvGrpSpPr>
+        <p:cNvPr id="1" name=""/>
+        <p:cNvGrpSpPr/>
+        <p:nvPr/>
+      </p:nvGrpSpPr>
+      <p:grpSpPr>
+        <a:xfrm>
+          <a:off x="0" y="0"/>
+          <a:ext cx="0" cy="0"/>
+          <a:chOff x="0" y="0"/>
+          <a:chExt cx="0" cy="0"/>
+        </a:xfrm>
+      </p:grpSpPr>
+      <p:sp>
+        <p:nvSpPr>
+          <p:cNvPr id="5" name="內容版面配置區 4"/>
+          <p:cNvSpPr>
+            <a:spLocks noGrp="1"/>
+          </p:cNvSpPr>
+          <p:nvPr>
+            <p:ph idx="1"/>
+          </p:nvPr>
+        </p:nvSpPr>
+        <p:spPr>
+          <a:xfrm>
+            <a:off x="0" y="1563638"/>
+            <a:ext cx="9144000" cy="1803647"/>
+          </a:xfrm>
+        </p:spPr>
+        <p:txBody>
+          <a:bodyPr anchor="ctr">
+            <a:normAutofit/>
+          </a:bodyPr>
+          <a:lstStyle/>
+          <a:p>
+            <a:pPr algn="ctr">
+              <a:buNone/>
+            </a:pPr>
+            <a:r>
+              <a:rPr lang="zh-CN" altLang="en-US" sz="4800" b="1" dirty="0" smtClean="0">
+                <a:solidFill>
+                  <a:srgbClr val="660033"/>
+                </a:solidFill>
+                <a:latin typeface="微軟正黑體" pitchFamily="34" charset="-120"/>
+                <a:ea typeface="微軟正黑體" pitchFamily="34" charset="-120"/>
+              </a:rPr>
+              <a:t>我且要住在耶和華的殿中</a:t>
+            </a:r>
+            <a:endParaRPr lang="en-US" altLang="zh-CN" sz="4800" b="1" dirty="0" smtClean="0">
+              <a:solidFill>
+                <a:srgbClr val="660033"/>
+              </a:solidFill>
+              <a:latin typeface="微軟正黑體" pitchFamily="34" charset="-120"/>
+              <a:ea typeface="微軟正黑體" pitchFamily="34" charset="-120"/>
+            </a:endParaRPr>
+          </a:p>
+          <a:p>
+            <a:pPr algn="ctr">
+              <a:buNone/>
+            </a:pPr>
+            <a:r>
+              <a:rPr lang="zh-CN" altLang="en-US" sz="4800" b="1" dirty="0" smtClean="0">
+                <a:solidFill>
+                  <a:srgbClr val="660033"/>
+                </a:solidFill>
+                <a:latin typeface="微軟正黑體" pitchFamily="34" charset="-120"/>
+                <a:ea typeface="微軟正黑體" pitchFamily="34" charset="-120"/>
+              </a:rPr>
+              <a:t>直到永永遠遠</a:t>
+            </a:r>
+            <a:endParaRPr lang="zh-TW" altLang="en-US" sz="4800" b="1" dirty="0" smtClean="0">
+              <a:solidFill>
+                <a:srgbClr val="660033"/>
+              </a:solidFill>
+              <a:latin typeface="微軟正黑體" pitchFamily="34" charset="-120"/>
+              <a:ea typeface="微軟正黑體" pitchFamily="34" charset="-120"/>
+            </a:endParaRPr>
+          </a:p>
+        </p:txBody>
+      </p:sp>
+      <p:sp>
+        <p:nvSpPr>
+          <p:cNvPr id="3" name="TextBox 2"/>
+          <p:cNvSpPr txBox="1"/>
+          <p:nvPr/>
+        </p:nvSpPr>
+        <p:spPr>
+          <a:xfrm>
+            <a:off x="0" y="3867894"/>
+            <a:ext cx="9144000" cy="523220"/>
+          </a:xfrm>
+          <a:prstGeom prst="rect">
+            <a:avLst/>
+          </a:prstGeom>
+          <a:noFill/>
+        </p:spPr>
+        <p:txBody>
+          <a:bodyPr wrap="square" rtlCol="0">
+            <a:spAutoFit/>
+          </a:bodyPr>
+          <a:lstStyle/>
+          <a:p>
+            <a:pPr algn="ctr"/>
+            <a:r>
+              <a:rPr lang="en-US" sz="2800" b="1" dirty="0" smtClean="0">
+                <a:solidFill>
+                  <a:srgbClr val="660033"/>
+                </a:solidFill>
+                <a:latin typeface="Microsoft JhengHei" panose="020B0604030504040204" pitchFamily="34" charset="-120"/>
+                <a:ea typeface="Microsoft JhengHei" panose="020B0604030504040204" pitchFamily="34" charset="-120"/>
+              </a:rPr>
+              <a:t>( </a:t>
+            </a:r>
+            <a:r>
+              <a:rPr lang="zh-CN" altLang="en-US" sz="2800" b="1" dirty="0" smtClean="0">
+                <a:solidFill>
+                  <a:srgbClr val="660033"/>
+                </a:solidFill>
+                <a:latin typeface="Microsoft JhengHei" panose="020B0604030504040204" pitchFamily="34" charset="-120"/>
+                <a:ea typeface="Microsoft JhengHei" panose="020B0604030504040204" pitchFamily="34" charset="-120"/>
+              </a:rPr>
+              <a:t>副</a:t>
+            </a:r>
+            <a:r>
+              <a:rPr lang="en-US" sz="2800" b="1" dirty="0" smtClean="0">
+                <a:solidFill>
+                  <a:srgbClr val="660033"/>
+                </a:solidFill>
+                <a:latin typeface="Microsoft JhengHei" panose="020B0604030504040204" pitchFamily="34" charset="-120"/>
+                <a:ea typeface="Microsoft JhengHei" panose="020B0604030504040204" pitchFamily="34" charset="-120"/>
+              </a:rPr>
+              <a:t> </a:t>
+            </a:r>
+            <a:r>
+              <a:rPr lang="en-US" sz="2800" b="1" dirty="0" smtClean="0">
+                <a:solidFill>
+                  <a:srgbClr val="660033"/>
+                </a:solidFill>
+                <a:latin typeface="Microsoft JhengHei" panose="020B0604030504040204" pitchFamily="34" charset="-120"/>
+                <a:ea typeface="Microsoft JhengHei" panose="020B0604030504040204" pitchFamily="34" charset="-120"/>
+              </a:rPr>
+              <a:t>)</a:t>
+            </a:r>
+            <a:endParaRPr lang="vi-VN" sz="2800" b="1" dirty="0">
+              <a:solidFill>
+                <a:srgbClr val="660033"/>
+              </a:solidFill>
+              <a:ea typeface="Microsoft JhengHei" panose="020B0604030504040204" pitchFamily="34" charset="-120"/>
+            </a:endParaRPr>
+          </a:p>
+        </p:txBody>
+      </p:sp>
+    </p:spTree>
+  </p:cSld>
+  <p:clrMapOvr>
+    <a:masterClrMapping/>
+  </p:clrMapOvr>
 </p:sld>
 </file>
 
@@ -3231,125 +3523,129 @@
       </p:grpSpPr>
       <p:sp>
         <p:nvSpPr>
-          <p:cNvPr id="4" name="標題 3"/>
-          <p:cNvSpPr>
-            <a:spLocks noGrp="1"/>
-          </p:cNvSpPr>
-          <p:nvPr>
-            <p:ph type="title"/>
-          </p:nvPr>
-        </p:nvSpPr>
-        <p:spPr/>
-        <p:txBody>
-          <a:bodyPr/>
-          <a:lstStyle/>
-          <a:p>
-            <a:r>
-              <a:rPr lang="zh-CN" altLang="en-US" b="1" dirty="0" smtClean="0">
+          <p:cNvPr id="5" name="內容版面配置區 4"/>
+          <p:cNvSpPr>
+            <a:spLocks noGrp="1"/>
+          </p:cNvSpPr>
+          <p:nvPr>
+            <p:ph idx="1"/>
+          </p:nvPr>
+        </p:nvSpPr>
+        <p:spPr>
+          <a:xfrm>
+            <a:off x="0" y="1563638"/>
+            <a:ext cx="9144000" cy="1803647"/>
+          </a:xfrm>
+        </p:spPr>
+        <p:txBody>
+          <a:bodyPr anchor="ctr">
+            <a:normAutofit/>
+          </a:bodyPr>
+          <a:lstStyle/>
+          <a:p>
+            <a:pPr algn="ctr">
+              <a:buNone/>
+            </a:pPr>
+            <a:r>
+              <a:rPr lang="zh-CN" altLang="en-US" sz="4800" b="1" dirty="0" smtClean="0">
+                <a:solidFill>
+                  <a:srgbClr val="660033"/>
+                </a:solidFill>
                 <a:latin typeface="微軟正黑體" pitchFamily="34" charset="-120"/>
                 <a:ea typeface="微軟正黑體" pitchFamily="34" charset="-120"/>
               </a:rPr>
-              <a:t>詩篇</a:t>
-            </a:r>
-            <a:r>
-              <a:rPr lang="en-US" altLang="zh-CN" b="1" dirty="0" smtClean="0">
-                <a:latin typeface="微軟正黑體" pitchFamily="34" charset="-120"/>
-                <a:ea typeface="微軟正黑體" pitchFamily="34" charset="-120"/>
-              </a:rPr>
-              <a:t>23</a:t>
-            </a:r>
-            <a:r>
-              <a:rPr lang="zh-CN" altLang="en-US" b="1" dirty="0">
-                <a:latin typeface="微軟正黑體" pitchFamily="34" charset="-120"/>
-                <a:ea typeface="微軟正黑體" pitchFamily="34" charset="-120"/>
-              </a:rPr>
-              <a:t>篇</a:t>
-            </a:r>
-            <a:endParaRPr lang="zh-TW" altLang="en-US" b="1" dirty="0">
+              <a:t>耶和華是我的牧者</a:t>
+            </a:r>
+            <a:endParaRPr lang="en-US" altLang="zh-CN" sz="4800" b="1" dirty="0" smtClean="0">
+              <a:solidFill>
+                <a:srgbClr val="660033"/>
+              </a:solidFill>
               <a:latin typeface="微軟正黑體" pitchFamily="34" charset="-120"/>
               <a:ea typeface="微軟正黑體" pitchFamily="34" charset="-120"/>
             </a:endParaRPr>
           </a:p>
-        </p:txBody>
-      </p:sp>
-      <p:sp>
-        <p:nvSpPr>
-          <p:cNvPr id="5" name="內容版面配置區 4"/>
-          <p:cNvSpPr>
-            <a:spLocks noGrp="1"/>
-          </p:cNvSpPr>
-          <p:nvPr>
-            <p:ph idx="1"/>
-          </p:nvPr>
-        </p:nvSpPr>
-        <p:spPr/>
-        <p:txBody>
-          <a:bodyPr>
-            <a:normAutofit/>
-          </a:bodyPr>
-          <a:lstStyle/>
           <a:p>
             <a:pPr algn="ctr">
               <a:buNone/>
             </a:pPr>
             <a:r>
-              <a:rPr lang="zh-CN" altLang="en-US" sz="5400" b="1" dirty="0" smtClean="0">
+              <a:rPr lang="zh-CN" altLang="en-US" sz="4800" b="1" dirty="0" smtClean="0">
+                <a:solidFill>
+                  <a:srgbClr val="660033"/>
+                </a:solidFill>
                 <a:latin typeface="微軟正黑體" pitchFamily="34" charset="-120"/>
                 <a:ea typeface="微軟正黑體" pitchFamily="34" charset="-120"/>
               </a:rPr>
-              <a:t>祂使我的靈魂甦醒</a:t>
-            </a:r>
-            <a:endParaRPr lang="en-US" altLang="zh-CN" sz="5400" b="1" dirty="0" smtClean="0">
+              <a:t>我必不至缺乏</a:t>
+            </a:r>
+            <a:endParaRPr lang="en-US" altLang="zh-CN" sz="4800" b="1" dirty="0" smtClean="0">
+              <a:solidFill>
+                <a:srgbClr val="660033"/>
+              </a:solidFill>
               <a:latin typeface="微軟正黑體" pitchFamily="34" charset="-120"/>
               <a:ea typeface="微軟正黑體" pitchFamily="34" charset="-120"/>
             </a:endParaRPr>
           </a:p>
-          <a:p>
-            <a:pPr algn="ctr">
-              <a:buNone/>
-            </a:pPr>
-            <a:r>
-              <a:rPr lang="zh-CN" altLang="en-US" sz="5400" b="1" dirty="0" smtClean="0">
-                <a:latin typeface="微軟正黑體" pitchFamily="34" charset="-120"/>
-                <a:ea typeface="微軟正黑體" pitchFamily="34" charset="-120"/>
-              </a:rPr>
-              <a:t>使我靈魂甦醒</a:t>
-            </a:r>
-            <a:endParaRPr lang="en-US" altLang="zh-CN" sz="5400" b="1" dirty="0" smtClean="0">
-              <a:latin typeface="微軟正黑體" pitchFamily="34" charset="-120"/>
-              <a:ea typeface="微軟正黑體" pitchFamily="34" charset="-120"/>
-            </a:endParaRPr>
-          </a:p>
-          <a:p>
-            <a:pPr algn="ctr">
-              <a:buNone/>
-            </a:pPr>
-            <a:r>
-              <a:rPr lang="zh-CN" altLang="en-US" sz="5400" b="1" dirty="0" smtClean="0">
-                <a:latin typeface="微軟正黑體" pitchFamily="34" charset="-120"/>
-                <a:ea typeface="微軟正黑體" pitchFamily="34" charset="-120"/>
-              </a:rPr>
-              <a:t>為自己的名引導我走義路</a:t>
-            </a:r>
-            <a:endParaRPr lang="en-US" altLang="zh-CN" sz="5400" b="1" dirty="0" smtClean="0">
-              <a:latin typeface="微軟正黑體" pitchFamily="34" charset="-120"/>
-              <a:ea typeface="微軟正黑體" pitchFamily="34" charset="-120"/>
-            </a:endParaRPr>
-          </a:p>
-          <a:p>
-            <a:pPr algn="ctr">
-              <a:buNone/>
-            </a:pPr>
-            <a:r>
-              <a:rPr lang="zh-CN" altLang="en-US" sz="5400" b="1" dirty="0" smtClean="0">
-                <a:latin typeface="微軟正黑體" pitchFamily="34" charset="-120"/>
-                <a:ea typeface="微軟正黑體" pitchFamily="34" charset="-120"/>
-              </a:rPr>
-              <a:t>引導我走義路</a:t>
-            </a:r>
-            <a:endParaRPr lang="zh-TW" altLang="en-US" sz="5400" b="1" dirty="0">
-              <a:latin typeface="微軟正黑體" pitchFamily="34" charset="-120"/>
-              <a:ea typeface="微軟正黑體" pitchFamily="34" charset="-120"/>
+        </p:txBody>
+      </p:sp>
+      <p:sp>
+        <p:nvSpPr>
+          <p:cNvPr id="3" name="TextBox 2"/>
+          <p:cNvSpPr txBox="1"/>
+          <p:nvPr/>
+        </p:nvSpPr>
+        <p:spPr>
+          <a:xfrm>
+            <a:off x="0" y="3867894"/>
+            <a:ext cx="9144000" cy="523220"/>
+          </a:xfrm>
+          <a:prstGeom prst="rect">
+            <a:avLst/>
+          </a:prstGeom>
+          <a:noFill/>
+        </p:spPr>
+        <p:txBody>
+          <a:bodyPr wrap="square" rtlCol="0">
+            <a:spAutoFit/>
+          </a:bodyPr>
+          <a:lstStyle/>
+          <a:p>
+            <a:pPr algn="ctr"/>
+            <a:r>
+              <a:rPr lang="en-US" sz="2800" b="1" dirty="0" smtClean="0">
+                <a:solidFill>
+                  <a:srgbClr val="660033"/>
+                </a:solidFill>
+                <a:latin typeface="Microsoft JhengHei" panose="020B0604030504040204" pitchFamily="34" charset="-120"/>
+                <a:ea typeface="Microsoft JhengHei" panose="020B0604030504040204" pitchFamily="34" charset="-120"/>
+              </a:rPr>
+              <a:t>( </a:t>
+            </a:r>
+            <a:r>
+              <a:rPr lang="zh-CN" altLang="en-US" sz="2800" b="1" dirty="0" smtClean="0">
+                <a:solidFill>
+                  <a:srgbClr val="660033"/>
+                </a:solidFill>
+                <a:latin typeface="Microsoft JhengHei" panose="020B0604030504040204" pitchFamily="34" charset="-120"/>
+                <a:ea typeface="Microsoft JhengHei" panose="020B0604030504040204" pitchFamily="34" charset="-120"/>
+              </a:rPr>
+              <a:t>正</a:t>
+            </a:r>
+            <a:r>
+              <a:rPr lang="en-US" sz="2800" b="1" dirty="0" smtClean="0">
+                <a:solidFill>
+                  <a:srgbClr val="660033"/>
+                </a:solidFill>
+                <a:latin typeface="Microsoft JhengHei" panose="020B0604030504040204" pitchFamily="34" charset="-120"/>
+                <a:ea typeface="Microsoft JhengHei" panose="020B0604030504040204" pitchFamily="34" charset="-120"/>
+              </a:rPr>
+              <a:t> )</a:t>
+            </a:r>
+            <a:endParaRPr lang="vi-VN" sz="2800" b="1" dirty="0">
+              <a:solidFill>
+                <a:srgbClr val="660033"/>
+              </a:solidFill>
+              <a:ea typeface="Microsoft JhengHei" panose="020B0604030504040204" pitchFamily="34" charset="-120"/>
             </a:endParaRPr>
           </a:p>
         </p:txBody>
@@ -3359,13 +3655,6 @@
   <p:clrMapOvr>
     <a:masterClrMapping/>
   </p:clrMapOvr>
-  <p:timing>
-    <p:tnLst>
-      <p:par>
-        <p:cTn id="1" dur="indefinite" restart="never" nodeType="tmRoot"/>
-      </p:par>
-    </p:tnLst>
-  </p:timing>
 </p:sld>
 </file>
 
@@ -3388,125 +3677,129 @@
       </p:grpSpPr>
       <p:sp>
         <p:nvSpPr>
-          <p:cNvPr id="4" name="標題 3"/>
-          <p:cNvSpPr>
-            <a:spLocks noGrp="1"/>
-          </p:cNvSpPr>
-          <p:nvPr>
-            <p:ph type="title"/>
-          </p:nvPr>
-        </p:nvSpPr>
-        <p:spPr/>
-        <p:txBody>
-          <a:bodyPr/>
-          <a:lstStyle/>
-          <a:p>
-            <a:r>
-              <a:rPr lang="zh-CN" altLang="en-US" b="1" dirty="0" smtClean="0">
+          <p:cNvPr id="5" name="內容版面配置區 4"/>
+          <p:cNvSpPr>
+            <a:spLocks noGrp="1"/>
+          </p:cNvSpPr>
+          <p:nvPr>
+            <p:ph idx="1"/>
+          </p:nvPr>
+        </p:nvSpPr>
+        <p:spPr>
+          <a:xfrm>
+            <a:off x="0" y="1563638"/>
+            <a:ext cx="9144000" cy="1803647"/>
+          </a:xfrm>
+        </p:spPr>
+        <p:txBody>
+          <a:bodyPr anchor="ctr">
+            <a:normAutofit/>
+          </a:bodyPr>
+          <a:lstStyle/>
+          <a:p>
+            <a:pPr algn="ctr">
+              <a:buNone/>
+            </a:pPr>
+            <a:r>
+              <a:rPr lang="zh-CN" altLang="en-US" sz="4800" b="1" dirty="0" smtClean="0">
+                <a:solidFill>
+                  <a:srgbClr val="660033"/>
+                </a:solidFill>
                 <a:latin typeface="微軟正黑體" pitchFamily="34" charset="-120"/>
                 <a:ea typeface="微軟正黑體" pitchFamily="34" charset="-120"/>
               </a:rPr>
-              <a:t>詩篇</a:t>
-            </a:r>
-            <a:r>
-              <a:rPr lang="en-US" altLang="zh-CN" b="1" dirty="0" smtClean="0">
-                <a:latin typeface="微軟正黑體" pitchFamily="34" charset="-120"/>
-                <a:ea typeface="微軟正黑體" pitchFamily="34" charset="-120"/>
-              </a:rPr>
-              <a:t>23</a:t>
-            </a:r>
-            <a:r>
-              <a:rPr lang="zh-CN" altLang="en-US" b="1" dirty="0">
-                <a:latin typeface="微軟正黑體" pitchFamily="34" charset="-120"/>
-                <a:ea typeface="微軟正黑體" pitchFamily="34" charset="-120"/>
-              </a:rPr>
-              <a:t>篇</a:t>
-            </a:r>
-            <a:endParaRPr lang="zh-TW" altLang="en-US" b="1" dirty="0">
+              <a:t>祂使我躺臥青草地上</a:t>
+            </a:r>
+            <a:endParaRPr lang="en-US" altLang="zh-CN" sz="4800" b="1" dirty="0" smtClean="0">
+              <a:solidFill>
+                <a:srgbClr val="660033"/>
+              </a:solidFill>
               <a:latin typeface="微軟正黑體" pitchFamily="34" charset="-120"/>
               <a:ea typeface="微軟正黑體" pitchFamily="34" charset="-120"/>
             </a:endParaRPr>
           </a:p>
-        </p:txBody>
-      </p:sp>
-      <p:sp>
-        <p:nvSpPr>
-          <p:cNvPr id="5" name="內容版面配置區 4"/>
-          <p:cNvSpPr>
-            <a:spLocks noGrp="1"/>
-          </p:cNvSpPr>
-          <p:nvPr>
-            <p:ph idx="1"/>
-          </p:nvPr>
-        </p:nvSpPr>
-        <p:spPr/>
-        <p:txBody>
-          <a:bodyPr>
-            <a:normAutofit/>
-          </a:bodyPr>
-          <a:lstStyle/>
           <a:p>
             <a:pPr algn="ctr">
               <a:buNone/>
             </a:pPr>
             <a:r>
-              <a:rPr lang="zh-CN" altLang="en-US" sz="5400" b="1" dirty="0" smtClean="0">
+              <a:rPr lang="zh-CN" altLang="en-US" sz="4800" b="1" dirty="0" smtClean="0">
+                <a:solidFill>
+                  <a:srgbClr val="660033"/>
+                </a:solidFill>
                 <a:latin typeface="微軟正黑體" pitchFamily="34" charset="-120"/>
                 <a:ea typeface="微軟正黑體" pitchFamily="34" charset="-120"/>
               </a:rPr>
-              <a:t>我雖然行過死蔭幽谷</a:t>
-            </a:r>
-            <a:endParaRPr lang="en-US" altLang="zh-CN" sz="5400" b="1" dirty="0" smtClean="0">
+              <a:t>領我在可安歇的水邊</a:t>
+            </a:r>
+            <a:endParaRPr lang="zh-TW" altLang="en-US" sz="4800" b="1" dirty="0" smtClean="0">
+              <a:solidFill>
+                <a:srgbClr val="660033"/>
+              </a:solidFill>
               <a:latin typeface="微軟正黑體" pitchFamily="34" charset="-120"/>
               <a:ea typeface="微軟正黑體" pitchFamily="34" charset="-120"/>
             </a:endParaRPr>
           </a:p>
-          <a:p>
-            <a:pPr algn="ctr">
-              <a:buNone/>
-            </a:pPr>
-            <a:r>
-              <a:rPr lang="zh-CN" altLang="en-US" sz="5400" b="1" dirty="0" smtClean="0">
-                <a:latin typeface="微軟正黑體" pitchFamily="34" charset="-120"/>
-                <a:ea typeface="微軟正黑體" pitchFamily="34" charset="-120"/>
-              </a:rPr>
-              <a:t>也不怕遭害</a:t>
-            </a:r>
-            <a:endParaRPr lang="en-US" altLang="zh-CN" sz="5400" b="1" dirty="0" smtClean="0">
-              <a:latin typeface="微軟正黑體" pitchFamily="34" charset="-120"/>
-              <a:ea typeface="微軟正黑體" pitchFamily="34" charset="-120"/>
-            </a:endParaRPr>
-          </a:p>
-          <a:p>
-            <a:pPr algn="ctr">
-              <a:buNone/>
-            </a:pPr>
-            <a:r>
-              <a:rPr lang="zh-CN" altLang="en-US" sz="5400" b="1" dirty="0" smtClean="0">
-                <a:latin typeface="微軟正黑體" pitchFamily="34" charset="-120"/>
-                <a:ea typeface="微軟正黑體" pitchFamily="34" charset="-120"/>
-              </a:rPr>
-              <a:t>因為你與我同在</a:t>
-            </a:r>
-            <a:endParaRPr lang="en-US" altLang="zh-CN" sz="5400" b="1" dirty="0" smtClean="0">
-              <a:latin typeface="微軟正黑體" pitchFamily="34" charset="-120"/>
-              <a:ea typeface="微軟正黑體" pitchFamily="34" charset="-120"/>
-            </a:endParaRPr>
-          </a:p>
-          <a:p>
-            <a:pPr algn="ctr">
-              <a:buNone/>
-            </a:pPr>
-            <a:r>
-              <a:rPr lang="zh-CN" altLang="en-US" sz="5400" b="1" dirty="0" smtClean="0">
-                <a:latin typeface="微軟正黑體" pitchFamily="34" charset="-120"/>
-                <a:ea typeface="微軟正黑體" pitchFamily="34" charset="-120"/>
-              </a:rPr>
-              <a:t>袮的杖和竿都安慰我</a:t>
-            </a:r>
-            <a:endParaRPr lang="zh-TW" altLang="en-US" sz="5400" b="1" dirty="0">
-              <a:latin typeface="微軟正黑體" pitchFamily="34" charset="-120"/>
-              <a:ea typeface="微軟正黑體" pitchFamily="34" charset="-120"/>
+        </p:txBody>
+      </p:sp>
+      <p:sp>
+        <p:nvSpPr>
+          <p:cNvPr id="3" name="TextBox 2"/>
+          <p:cNvSpPr txBox="1"/>
+          <p:nvPr/>
+        </p:nvSpPr>
+        <p:spPr>
+          <a:xfrm>
+            <a:off x="0" y="3867894"/>
+            <a:ext cx="9144000" cy="523220"/>
+          </a:xfrm>
+          <a:prstGeom prst="rect">
+            <a:avLst/>
+          </a:prstGeom>
+          <a:noFill/>
+        </p:spPr>
+        <p:txBody>
+          <a:bodyPr wrap="square" rtlCol="0">
+            <a:spAutoFit/>
+          </a:bodyPr>
+          <a:lstStyle/>
+          <a:p>
+            <a:pPr algn="ctr"/>
+            <a:r>
+              <a:rPr lang="en-US" sz="2800" b="1" dirty="0" smtClean="0">
+                <a:solidFill>
+                  <a:srgbClr val="660033"/>
+                </a:solidFill>
+                <a:latin typeface="Microsoft JhengHei" panose="020B0604030504040204" pitchFamily="34" charset="-120"/>
+                <a:ea typeface="Microsoft JhengHei" panose="020B0604030504040204" pitchFamily="34" charset="-120"/>
+              </a:rPr>
+              <a:t>( </a:t>
+            </a:r>
+            <a:r>
+              <a:rPr lang="zh-CN" altLang="en-US" sz="2800" b="1" dirty="0" smtClean="0">
+                <a:solidFill>
+                  <a:srgbClr val="660033"/>
+                </a:solidFill>
+                <a:latin typeface="Microsoft JhengHei" panose="020B0604030504040204" pitchFamily="34" charset="-120"/>
+                <a:ea typeface="Microsoft JhengHei" panose="020B0604030504040204" pitchFamily="34" charset="-120"/>
+              </a:rPr>
+              <a:t>正</a:t>
+            </a:r>
+            <a:r>
+              <a:rPr lang="en-US" sz="2800" b="1" dirty="0" smtClean="0">
+                <a:solidFill>
+                  <a:srgbClr val="660033"/>
+                </a:solidFill>
+                <a:latin typeface="Microsoft JhengHei" panose="020B0604030504040204" pitchFamily="34" charset="-120"/>
+                <a:ea typeface="Microsoft JhengHei" panose="020B0604030504040204" pitchFamily="34" charset="-120"/>
+              </a:rPr>
+              <a:t> )</a:t>
+            </a:r>
+            <a:endParaRPr lang="vi-VN" sz="2800" b="1" dirty="0">
+              <a:solidFill>
+                <a:srgbClr val="660033"/>
+              </a:solidFill>
+              <a:ea typeface="Microsoft JhengHei" panose="020B0604030504040204" pitchFamily="34" charset="-120"/>
             </a:endParaRPr>
           </a:p>
         </p:txBody>
@@ -3516,13 +3809,6 @@
   <p:clrMapOvr>
     <a:masterClrMapping/>
   </p:clrMapOvr>
-  <p:timing>
-    <p:tnLst>
-      <p:par>
-        <p:cTn id="1" dur="indefinite" restart="never" nodeType="tmRoot"/>
-      </p:par>
-    </p:tnLst>
-  </p:timing>
 </p:sld>
 </file>
 
@@ -3545,132 +3831,129 @@
       </p:grpSpPr>
       <p:sp>
         <p:nvSpPr>
-          <p:cNvPr id="4" name="標題 3"/>
-          <p:cNvSpPr>
-            <a:spLocks noGrp="1"/>
-          </p:cNvSpPr>
-          <p:nvPr>
-            <p:ph type="title"/>
-          </p:nvPr>
-        </p:nvSpPr>
-        <p:spPr/>
-        <p:txBody>
-          <a:bodyPr/>
-          <a:lstStyle/>
-          <a:p>
-            <a:r>
-              <a:rPr lang="zh-CN" altLang="en-US" b="1" dirty="0" smtClean="0">
+          <p:cNvPr id="5" name="內容版面配置區 4"/>
+          <p:cNvSpPr>
+            <a:spLocks noGrp="1"/>
+          </p:cNvSpPr>
+          <p:nvPr>
+            <p:ph idx="1"/>
+          </p:nvPr>
+        </p:nvSpPr>
+        <p:spPr>
+          <a:xfrm>
+            <a:off x="0" y="1563638"/>
+            <a:ext cx="9144000" cy="1803647"/>
+          </a:xfrm>
+        </p:spPr>
+        <p:txBody>
+          <a:bodyPr anchor="ctr">
+            <a:normAutofit/>
+          </a:bodyPr>
+          <a:lstStyle/>
+          <a:p>
+            <a:pPr algn="ctr">
+              <a:buNone/>
+            </a:pPr>
+            <a:r>
+              <a:rPr lang="zh-CN" altLang="en-US" sz="4800" b="1" dirty="0" smtClean="0">
+                <a:solidFill>
+                  <a:srgbClr val="660033"/>
+                </a:solidFill>
                 <a:latin typeface="微軟正黑體" pitchFamily="34" charset="-120"/>
                 <a:ea typeface="微軟正黑體" pitchFamily="34" charset="-120"/>
               </a:rPr>
-              <a:t>詩篇</a:t>
-            </a:r>
-            <a:r>
-              <a:rPr lang="en-US" altLang="zh-CN" b="1" dirty="0" smtClean="0">
-                <a:latin typeface="微軟正黑體" pitchFamily="34" charset="-120"/>
-                <a:ea typeface="微軟正黑體" pitchFamily="34" charset="-120"/>
-              </a:rPr>
-              <a:t>23</a:t>
-            </a:r>
-            <a:r>
-              <a:rPr lang="zh-CN" altLang="en-US" b="1" dirty="0">
-                <a:latin typeface="微軟正黑體" pitchFamily="34" charset="-120"/>
-                <a:ea typeface="微軟正黑體" pitchFamily="34" charset="-120"/>
-              </a:rPr>
-              <a:t>篇</a:t>
-            </a:r>
-            <a:endParaRPr lang="zh-TW" altLang="en-US" b="1" dirty="0">
+              <a:t>祂使我的靈魂甦醒</a:t>
+            </a:r>
+            <a:endParaRPr lang="en-US" altLang="zh-CN" sz="4800" b="1" dirty="0" smtClean="0">
+              <a:solidFill>
+                <a:srgbClr val="660033"/>
+              </a:solidFill>
               <a:latin typeface="微軟正黑體" pitchFamily="34" charset="-120"/>
               <a:ea typeface="微軟正黑體" pitchFamily="34" charset="-120"/>
             </a:endParaRPr>
           </a:p>
-        </p:txBody>
-      </p:sp>
-      <p:sp>
-        <p:nvSpPr>
-          <p:cNvPr id="5" name="內容版面配置區 4"/>
-          <p:cNvSpPr>
-            <a:spLocks noGrp="1"/>
-          </p:cNvSpPr>
-          <p:nvPr>
-            <p:ph idx="1"/>
-          </p:nvPr>
-        </p:nvSpPr>
-        <p:spPr/>
-        <p:txBody>
-          <a:bodyPr>
-            <a:normAutofit/>
-          </a:bodyPr>
-          <a:lstStyle/>
           <a:p>
             <a:pPr algn="ctr">
               <a:buNone/>
             </a:pPr>
             <a:r>
-              <a:rPr lang="zh-CN" altLang="en-US" sz="5400" b="1" dirty="0" smtClean="0">
+              <a:rPr lang="zh-CN" altLang="en-US" sz="4800" b="1" dirty="0" smtClean="0">
+                <a:solidFill>
+                  <a:srgbClr val="660033"/>
+                </a:solidFill>
                 <a:latin typeface="微軟正黑體" pitchFamily="34" charset="-120"/>
                 <a:ea typeface="微軟正黑體" pitchFamily="34" charset="-120"/>
               </a:rPr>
-              <a:t>在我敵人面前</a:t>
-            </a:r>
-            <a:endParaRPr lang="en-US" altLang="zh-CN" sz="5400" b="1" dirty="0" smtClean="0">
+              <a:t>使我靈魂甦醒</a:t>
+            </a:r>
+            <a:endParaRPr lang="en-US" altLang="zh-CN" sz="4800" b="1" dirty="0" smtClean="0">
+              <a:solidFill>
+                <a:srgbClr val="660033"/>
+              </a:solidFill>
               <a:latin typeface="微軟正黑體" pitchFamily="34" charset="-120"/>
               <a:ea typeface="微軟正黑體" pitchFamily="34" charset="-120"/>
             </a:endParaRPr>
           </a:p>
-          <a:p>
-            <a:pPr algn="ctr">
-              <a:buNone/>
-            </a:pPr>
-            <a:r>
-              <a:rPr lang="zh-CN" altLang="en-US" sz="5400" b="1" dirty="0">
-                <a:latin typeface="微軟正黑體" pitchFamily="34" charset="-120"/>
-                <a:ea typeface="微軟正黑體" pitchFamily="34" charset="-120"/>
-              </a:rPr>
-              <a:t>袮</a:t>
-            </a:r>
-            <a:r>
-              <a:rPr lang="zh-CN" altLang="en-US" sz="5400" b="1" dirty="0" smtClean="0">
-                <a:latin typeface="微軟正黑體" pitchFamily="34" charset="-120"/>
-                <a:ea typeface="微軟正黑體" pitchFamily="34" charset="-120"/>
-              </a:rPr>
-              <a:t>為我擺設筵席</a:t>
-            </a:r>
-            <a:endParaRPr lang="en-US" altLang="zh-CN" sz="5400" b="1" dirty="0" smtClean="0">
-              <a:latin typeface="微軟正黑體" pitchFamily="34" charset="-120"/>
-              <a:ea typeface="微軟正黑體" pitchFamily="34" charset="-120"/>
-            </a:endParaRPr>
-          </a:p>
-          <a:p>
-            <a:pPr algn="ctr">
-              <a:buNone/>
-            </a:pPr>
-            <a:r>
-              <a:rPr lang="zh-CN" altLang="en-US" sz="5400" b="1" dirty="0" smtClean="0">
-                <a:latin typeface="微軟正黑體" pitchFamily="34" charset="-120"/>
-                <a:ea typeface="微軟正黑體" pitchFamily="34" charset="-120"/>
-              </a:rPr>
-              <a:t>袮用油膏了我的頭</a:t>
-            </a:r>
-            <a:endParaRPr lang="en-US" altLang="zh-CN" sz="5400" b="1" dirty="0" smtClean="0">
-              <a:latin typeface="微軟正黑體" pitchFamily="34" charset="-120"/>
-              <a:ea typeface="微軟正黑體" pitchFamily="34" charset="-120"/>
-            </a:endParaRPr>
-          </a:p>
-          <a:p>
-            <a:pPr algn="ctr">
-              <a:buNone/>
-            </a:pPr>
-            <a:r>
-              <a:rPr lang="zh-CN" altLang="en-US" sz="5400" b="1" dirty="0" smtClean="0">
-                <a:latin typeface="微軟正黑體" pitchFamily="34" charset="-120"/>
-                <a:ea typeface="微軟正黑體" pitchFamily="34" charset="-120"/>
-              </a:rPr>
-              <a:t>使我福杯滿溢</a:t>
-            </a:r>
-            <a:endParaRPr lang="zh-TW" altLang="en-US" sz="5400" b="1" dirty="0">
-              <a:latin typeface="微軟正黑體" pitchFamily="34" charset="-120"/>
-              <a:ea typeface="微軟正黑體" pitchFamily="34" charset="-120"/>
+        </p:txBody>
+      </p:sp>
+      <p:sp>
+        <p:nvSpPr>
+          <p:cNvPr id="3" name="TextBox 2"/>
+          <p:cNvSpPr txBox="1"/>
+          <p:nvPr/>
+        </p:nvSpPr>
+        <p:spPr>
+          <a:xfrm>
+            <a:off x="0" y="3867894"/>
+            <a:ext cx="9144000" cy="523220"/>
+          </a:xfrm>
+          <a:prstGeom prst="rect">
+            <a:avLst/>
+          </a:prstGeom>
+          <a:noFill/>
+        </p:spPr>
+        <p:txBody>
+          <a:bodyPr wrap="square" rtlCol="0">
+            <a:spAutoFit/>
+          </a:bodyPr>
+          <a:lstStyle/>
+          <a:p>
+            <a:pPr algn="ctr"/>
+            <a:r>
+              <a:rPr lang="en-US" sz="2800" b="1" dirty="0" smtClean="0">
+                <a:solidFill>
+                  <a:srgbClr val="660033"/>
+                </a:solidFill>
+                <a:latin typeface="Microsoft JhengHei" panose="020B0604030504040204" pitchFamily="34" charset="-120"/>
+                <a:ea typeface="Microsoft JhengHei" panose="020B0604030504040204" pitchFamily="34" charset="-120"/>
+              </a:rPr>
+              <a:t>( </a:t>
+            </a:r>
+            <a:r>
+              <a:rPr lang="zh-CN" altLang="en-US" sz="2800" b="1" dirty="0" smtClean="0">
+                <a:solidFill>
+                  <a:srgbClr val="660033"/>
+                </a:solidFill>
+                <a:latin typeface="Microsoft JhengHei" panose="020B0604030504040204" pitchFamily="34" charset="-120"/>
+                <a:ea typeface="Microsoft JhengHei" panose="020B0604030504040204" pitchFamily="34" charset="-120"/>
+              </a:rPr>
+              <a:t>正</a:t>
+            </a:r>
+            <a:r>
+              <a:rPr lang="en-US" sz="2800" b="1" dirty="0" smtClean="0">
+                <a:solidFill>
+                  <a:srgbClr val="660033"/>
+                </a:solidFill>
+                <a:latin typeface="Microsoft JhengHei" panose="020B0604030504040204" pitchFamily="34" charset="-120"/>
+                <a:ea typeface="Microsoft JhengHei" panose="020B0604030504040204" pitchFamily="34" charset="-120"/>
+              </a:rPr>
+              <a:t> )</a:t>
+            </a:r>
+            <a:endParaRPr lang="vi-VN" sz="2800" b="1" dirty="0">
+              <a:solidFill>
+                <a:srgbClr val="660033"/>
+              </a:solidFill>
+              <a:ea typeface="Microsoft JhengHei" panose="020B0604030504040204" pitchFamily="34" charset="-120"/>
             </a:endParaRPr>
           </a:p>
         </p:txBody>
@@ -3680,13 +3963,6 @@
   <p:clrMapOvr>
     <a:masterClrMapping/>
   </p:clrMapOvr>
-  <p:timing>
-    <p:tnLst>
-      <p:par>
-        <p:cTn id="1" dur="indefinite" restart="never" nodeType="tmRoot"/>
-      </p:par>
-    </p:tnLst>
-  </p:timing>
 </p:sld>
 </file>
 
@@ -3709,125 +3985,129 @@
       </p:grpSpPr>
       <p:sp>
         <p:nvSpPr>
-          <p:cNvPr id="4" name="標題 3"/>
-          <p:cNvSpPr>
-            <a:spLocks noGrp="1"/>
-          </p:cNvSpPr>
-          <p:nvPr>
-            <p:ph type="title"/>
-          </p:nvPr>
-        </p:nvSpPr>
-        <p:spPr/>
-        <p:txBody>
-          <a:bodyPr/>
-          <a:lstStyle/>
-          <a:p>
-            <a:r>
-              <a:rPr lang="zh-CN" altLang="en-US" b="1" dirty="0" smtClean="0">
+          <p:cNvPr id="5" name="內容版面配置區 4"/>
+          <p:cNvSpPr>
+            <a:spLocks noGrp="1"/>
+          </p:cNvSpPr>
+          <p:nvPr>
+            <p:ph idx="1"/>
+          </p:nvPr>
+        </p:nvSpPr>
+        <p:spPr>
+          <a:xfrm>
+            <a:off x="0" y="1563638"/>
+            <a:ext cx="9144000" cy="1803647"/>
+          </a:xfrm>
+        </p:spPr>
+        <p:txBody>
+          <a:bodyPr anchor="ctr">
+            <a:normAutofit/>
+          </a:bodyPr>
+          <a:lstStyle/>
+          <a:p>
+            <a:pPr algn="ctr">
+              <a:buNone/>
+            </a:pPr>
+            <a:r>
+              <a:rPr lang="zh-CN" altLang="en-US" sz="4800" b="1" dirty="0" smtClean="0">
+                <a:solidFill>
+                  <a:srgbClr val="660033"/>
+                </a:solidFill>
                 <a:latin typeface="微軟正黑體" pitchFamily="34" charset="-120"/>
                 <a:ea typeface="微軟正黑體" pitchFamily="34" charset="-120"/>
               </a:rPr>
-              <a:t>詩篇</a:t>
-            </a:r>
-            <a:r>
-              <a:rPr lang="en-US" altLang="zh-CN" b="1" dirty="0" smtClean="0">
-                <a:latin typeface="微軟正黑體" pitchFamily="34" charset="-120"/>
-                <a:ea typeface="微軟正黑體" pitchFamily="34" charset="-120"/>
-              </a:rPr>
-              <a:t>23</a:t>
-            </a:r>
-            <a:r>
-              <a:rPr lang="zh-CN" altLang="en-US" b="1" dirty="0">
-                <a:latin typeface="微軟正黑體" pitchFamily="34" charset="-120"/>
-                <a:ea typeface="微軟正黑體" pitchFamily="34" charset="-120"/>
-              </a:rPr>
-              <a:t>篇</a:t>
-            </a:r>
-            <a:endParaRPr lang="zh-TW" altLang="en-US" b="1" dirty="0">
+              <a:t>為自己的名引導我走義路</a:t>
+            </a:r>
+            <a:endParaRPr lang="en-US" altLang="zh-CN" sz="4800" b="1" dirty="0" smtClean="0">
+              <a:solidFill>
+                <a:srgbClr val="660033"/>
+              </a:solidFill>
               <a:latin typeface="微軟正黑體" pitchFamily="34" charset="-120"/>
               <a:ea typeface="微軟正黑體" pitchFamily="34" charset="-120"/>
             </a:endParaRPr>
           </a:p>
-        </p:txBody>
-      </p:sp>
-      <p:sp>
-        <p:nvSpPr>
-          <p:cNvPr id="5" name="內容版面配置區 4"/>
-          <p:cNvSpPr>
-            <a:spLocks noGrp="1"/>
-          </p:cNvSpPr>
-          <p:nvPr>
-            <p:ph idx="1"/>
-          </p:nvPr>
-        </p:nvSpPr>
-        <p:spPr/>
-        <p:txBody>
-          <a:bodyPr>
-            <a:normAutofit/>
-          </a:bodyPr>
-          <a:lstStyle/>
           <a:p>
             <a:pPr algn="ctr">
               <a:buNone/>
             </a:pPr>
             <a:r>
-              <a:rPr lang="zh-CN" altLang="en-US" sz="5400" b="1" dirty="0" smtClean="0">
+              <a:rPr lang="zh-CN" altLang="en-US" sz="4800" b="1" dirty="0" smtClean="0">
+                <a:solidFill>
+                  <a:srgbClr val="660033"/>
+                </a:solidFill>
                 <a:latin typeface="微軟正黑體" pitchFamily="34" charset="-120"/>
                 <a:ea typeface="微軟正黑體" pitchFamily="34" charset="-120"/>
               </a:rPr>
-              <a:t>我一生一世</a:t>
-            </a:r>
-            <a:endParaRPr lang="en-US" altLang="zh-CN" sz="5400" b="1" dirty="0" smtClean="0">
+              <a:t>引導我走義路</a:t>
+            </a:r>
+            <a:endParaRPr lang="zh-TW" altLang="en-US" sz="4800" b="1" dirty="0" smtClean="0">
+              <a:solidFill>
+                <a:srgbClr val="660033"/>
+              </a:solidFill>
               <a:latin typeface="微軟正黑體" pitchFamily="34" charset="-120"/>
               <a:ea typeface="微軟正黑體" pitchFamily="34" charset="-120"/>
             </a:endParaRPr>
           </a:p>
-          <a:p>
-            <a:pPr algn="ctr">
-              <a:buNone/>
-            </a:pPr>
-            <a:r>
-              <a:rPr lang="zh-CN" altLang="en-US" sz="5400" b="1" dirty="0" smtClean="0">
-                <a:latin typeface="微軟正黑體" pitchFamily="34" charset="-120"/>
-                <a:ea typeface="微軟正黑體" pitchFamily="34" charset="-120"/>
-              </a:rPr>
-              <a:t>必有恩惠慈愛隨著我</a:t>
-            </a:r>
-            <a:endParaRPr lang="en-US" altLang="zh-CN" sz="5400" b="1" dirty="0" smtClean="0">
-              <a:latin typeface="微軟正黑體" pitchFamily="34" charset="-120"/>
-              <a:ea typeface="微軟正黑體" pitchFamily="34" charset="-120"/>
-            </a:endParaRPr>
-          </a:p>
-          <a:p>
-            <a:pPr algn="ctr">
-              <a:buNone/>
-            </a:pPr>
-            <a:r>
-              <a:rPr lang="zh-CN" altLang="en-US" sz="5400" b="1" dirty="0" smtClean="0">
-                <a:latin typeface="微軟正黑體" pitchFamily="34" charset="-120"/>
-                <a:ea typeface="微軟正黑體" pitchFamily="34" charset="-120"/>
-              </a:rPr>
-              <a:t>我且要住在耶和華的殿中</a:t>
-            </a:r>
-            <a:endParaRPr lang="en-US" altLang="zh-CN" sz="5400" b="1" dirty="0" smtClean="0">
-              <a:latin typeface="微軟正黑體" pitchFamily="34" charset="-120"/>
-              <a:ea typeface="微軟正黑體" pitchFamily="34" charset="-120"/>
-            </a:endParaRPr>
-          </a:p>
-          <a:p>
-            <a:pPr algn="ctr">
-              <a:buNone/>
-            </a:pPr>
-            <a:r>
-              <a:rPr lang="zh-CN" altLang="en-US" sz="5400" b="1" dirty="0" smtClean="0">
-                <a:latin typeface="微軟正黑體" pitchFamily="34" charset="-120"/>
-                <a:ea typeface="微軟正黑體" pitchFamily="34" charset="-120"/>
-              </a:rPr>
-              <a:t>直到永永遠遠</a:t>
-            </a:r>
-            <a:endParaRPr lang="zh-TW" altLang="en-US" sz="5400" b="1" dirty="0">
-              <a:latin typeface="微軟正黑體" pitchFamily="34" charset="-120"/>
-              <a:ea typeface="微軟正黑體" pitchFamily="34" charset="-120"/>
+        </p:txBody>
+      </p:sp>
+      <p:sp>
+        <p:nvSpPr>
+          <p:cNvPr id="3" name="TextBox 2"/>
+          <p:cNvSpPr txBox="1"/>
+          <p:nvPr/>
+        </p:nvSpPr>
+        <p:spPr>
+          <a:xfrm>
+            <a:off x="0" y="3867894"/>
+            <a:ext cx="9144000" cy="523220"/>
+          </a:xfrm>
+          <a:prstGeom prst="rect">
+            <a:avLst/>
+          </a:prstGeom>
+          <a:noFill/>
+        </p:spPr>
+        <p:txBody>
+          <a:bodyPr wrap="square" rtlCol="0">
+            <a:spAutoFit/>
+          </a:bodyPr>
+          <a:lstStyle/>
+          <a:p>
+            <a:pPr algn="ctr"/>
+            <a:r>
+              <a:rPr lang="en-US" sz="2800" b="1" dirty="0" smtClean="0">
+                <a:solidFill>
+                  <a:srgbClr val="660033"/>
+                </a:solidFill>
+                <a:latin typeface="Microsoft JhengHei" panose="020B0604030504040204" pitchFamily="34" charset="-120"/>
+                <a:ea typeface="Microsoft JhengHei" panose="020B0604030504040204" pitchFamily="34" charset="-120"/>
+              </a:rPr>
+              <a:t>( </a:t>
+            </a:r>
+            <a:r>
+              <a:rPr lang="zh-CN" altLang="en-US" sz="2800" b="1" dirty="0" smtClean="0">
+                <a:solidFill>
+                  <a:srgbClr val="660033"/>
+                </a:solidFill>
+                <a:latin typeface="Microsoft JhengHei" panose="020B0604030504040204" pitchFamily="34" charset="-120"/>
+                <a:ea typeface="Microsoft JhengHei" panose="020B0604030504040204" pitchFamily="34" charset="-120"/>
+              </a:rPr>
+              <a:t>正</a:t>
+            </a:r>
+            <a:r>
+              <a:rPr lang="en-US" sz="2800" b="1" dirty="0" smtClean="0">
+                <a:solidFill>
+                  <a:srgbClr val="660033"/>
+                </a:solidFill>
+                <a:latin typeface="Microsoft JhengHei" panose="020B0604030504040204" pitchFamily="34" charset="-120"/>
+                <a:ea typeface="Microsoft JhengHei" panose="020B0604030504040204" pitchFamily="34" charset="-120"/>
+              </a:rPr>
+              <a:t> )</a:t>
+            </a:r>
+            <a:endParaRPr lang="vi-VN" sz="2800" b="1" dirty="0">
+              <a:solidFill>
+                <a:srgbClr val="660033"/>
+              </a:solidFill>
+              <a:ea typeface="Microsoft JhengHei" panose="020B0604030504040204" pitchFamily="34" charset="-120"/>
             </a:endParaRPr>
           </a:p>
         </p:txBody>
@@ -3837,13 +4117,652 @@
   <p:clrMapOvr>
     <a:masterClrMapping/>
   </p:clrMapOvr>
-  <p:timing>
-    <p:tnLst>
-      <p:par>
-        <p:cTn id="1" dur="indefinite" restart="never" nodeType="tmRoot"/>
-      </p:par>
-    </p:tnLst>
-  </p:timing>
+</p:sld>
+</file>
+
+<file path=ppt/slides/slide6.xml><?xml version="1.0" encoding="utf-8"?>
+<p:sld xmlns:a="http://schemas.openxmlformats.org/drawingml/2006/main" xmlns:r="http://schemas.openxmlformats.org/officeDocument/2006/relationships" xmlns:p="http://schemas.openxmlformats.org/presentationml/2006/main">
+  <p:cSld>
+    <p:spTree>
+      <p:nvGrpSpPr>
+        <p:cNvPr id="1" name=""/>
+        <p:cNvGrpSpPr/>
+        <p:nvPr/>
+      </p:nvGrpSpPr>
+      <p:grpSpPr>
+        <a:xfrm>
+          <a:off x="0" y="0"/>
+          <a:ext cx="0" cy="0"/>
+          <a:chOff x="0" y="0"/>
+          <a:chExt cx="0" cy="0"/>
+        </a:xfrm>
+      </p:grpSpPr>
+      <p:sp>
+        <p:nvSpPr>
+          <p:cNvPr id="5" name="內容版面配置區 4"/>
+          <p:cNvSpPr>
+            <a:spLocks noGrp="1"/>
+          </p:cNvSpPr>
+          <p:nvPr>
+            <p:ph idx="1"/>
+          </p:nvPr>
+        </p:nvSpPr>
+        <p:spPr>
+          <a:xfrm>
+            <a:off x="0" y="1563638"/>
+            <a:ext cx="9144000" cy="1803647"/>
+          </a:xfrm>
+        </p:spPr>
+        <p:txBody>
+          <a:bodyPr anchor="ctr">
+            <a:normAutofit/>
+          </a:bodyPr>
+          <a:lstStyle/>
+          <a:p>
+            <a:pPr algn="ctr">
+              <a:buNone/>
+            </a:pPr>
+            <a:r>
+              <a:rPr lang="zh-CN" altLang="en-US" sz="4800" b="1" dirty="0" smtClean="0">
+                <a:solidFill>
+                  <a:srgbClr val="660033"/>
+                </a:solidFill>
+                <a:latin typeface="微軟正黑體" pitchFamily="34" charset="-120"/>
+                <a:ea typeface="微軟正黑體" pitchFamily="34" charset="-120"/>
+              </a:rPr>
+              <a:t>我雖然行過死蔭幽谷</a:t>
+            </a:r>
+            <a:endParaRPr lang="en-US" altLang="zh-CN" sz="4800" b="1" dirty="0" smtClean="0">
+              <a:solidFill>
+                <a:srgbClr val="660033"/>
+              </a:solidFill>
+              <a:latin typeface="微軟正黑體" pitchFamily="34" charset="-120"/>
+              <a:ea typeface="微軟正黑體" pitchFamily="34" charset="-120"/>
+            </a:endParaRPr>
+          </a:p>
+          <a:p>
+            <a:pPr algn="ctr">
+              <a:buNone/>
+            </a:pPr>
+            <a:r>
+              <a:rPr lang="zh-CN" altLang="en-US" sz="4800" b="1" dirty="0" smtClean="0">
+                <a:solidFill>
+                  <a:srgbClr val="660033"/>
+                </a:solidFill>
+                <a:latin typeface="微軟正黑體" pitchFamily="34" charset="-120"/>
+                <a:ea typeface="微軟正黑體" pitchFamily="34" charset="-120"/>
+              </a:rPr>
+              <a:t>也不怕遭害</a:t>
+            </a:r>
+            <a:endParaRPr lang="en-US" altLang="zh-CN" sz="4800" b="1" dirty="0" smtClean="0">
+              <a:solidFill>
+                <a:srgbClr val="660033"/>
+              </a:solidFill>
+              <a:latin typeface="微軟正黑體" pitchFamily="34" charset="-120"/>
+              <a:ea typeface="微軟正黑體" pitchFamily="34" charset="-120"/>
+            </a:endParaRPr>
+          </a:p>
+        </p:txBody>
+      </p:sp>
+      <p:sp>
+        <p:nvSpPr>
+          <p:cNvPr id="3" name="TextBox 2"/>
+          <p:cNvSpPr txBox="1"/>
+          <p:nvPr/>
+        </p:nvSpPr>
+        <p:spPr>
+          <a:xfrm>
+            <a:off x="0" y="3867894"/>
+            <a:ext cx="9144000" cy="523220"/>
+          </a:xfrm>
+          <a:prstGeom prst="rect">
+            <a:avLst/>
+          </a:prstGeom>
+          <a:noFill/>
+        </p:spPr>
+        <p:txBody>
+          <a:bodyPr wrap="square" rtlCol="0">
+            <a:spAutoFit/>
+          </a:bodyPr>
+          <a:lstStyle/>
+          <a:p>
+            <a:pPr algn="ctr"/>
+            <a:r>
+              <a:rPr lang="en-US" sz="2800" b="1" dirty="0" smtClean="0">
+                <a:solidFill>
+                  <a:srgbClr val="660033"/>
+                </a:solidFill>
+                <a:latin typeface="Microsoft JhengHei" panose="020B0604030504040204" pitchFamily="34" charset="-120"/>
+                <a:ea typeface="Microsoft JhengHei" panose="020B0604030504040204" pitchFamily="34" charset="-120"/>
+              </a:rPr>
+              <a:t>( </a:t>
+            </a:r>
+            <a:r>
+              <a:rPr lang="zh-CN" altLang="en-US" sz="2800" b="1" dirty="0" smtClean="0">
+                <a:solidFill>
+                  <a:srgbClr val="660033"/>
+                </a:solidFill>
+                <a:latin typeface="Microsoft JhengHei" panose="020B0604030504040204" pitchFamily="34" charset="-120"/>
+                <a:ea typeface="Microsoft JhengHei" panose="020B0604030504040204" pitchFamily="34" charset="-120"/>
+              </a:rPr>
+              <a:t>正</a:t>
+            </a:r>
+            <a:r>
+              <a:rPr lang="en-US" sz="2800" b="1" dirty="0" smtClean="0">
+                <a:solidFill>
+                  <a:srgbClr val="660033"/>
+                </a:solidFill>
+                <a:latin typeface="Microsoft JhengHei" panose="020B0604030504040204" pitchFamily="34" charset="-120"/>
+                <a:ea typeface="Microsoft JhengHei" panose="020B0604030504040204" pitchFamily="34" charset="-120"/>
+              </a:rPr>
+              <a:t> )</a:t>
+            </a:r>
+            <a:endParaRPr lang="vi-VN" sz="2800" b="1" dirty="0">
+              <a:solidFill>
+                <a:srgbClr val="660033"/>
+              </a:solidFill>
+              <a:ea typeface="Microsoft JhengHei" panose="020B0604030504040204" pitchFamily="34" charset="-120"/>
+            </a:endParaRPr>
+          </a:p>
+        </p:txBody>
+      </p:sp>
+    </p:spTree>
+  </p:cSld>
+  <p:clrMapOvr>
+    <a:masterClrMapping/>
+  </p:clrMapOvr>
+</p:sld>
+</file>
+
+<file path=ppt/slides/slide7.xml><?xml version="1.0" encoding="utf-8"?>
+<p:sld xmlns:a="http://schemas.openxmlformats.org/drawingml/2006/main" xmlns:r="http://schemas.openxmlformats.org/officeDocument/2006/relationships" xmlns:p="http://schemas.openxmlformats.org/presentationml/2006/main">
+  <p:cSld>
+    <p:spTree>
+      <p:nvGrpSpPr>
+        <p:cNvPr id="1" name=""/>
+        <p:cNvGrpSpPr/>
+        <p:nvPr/>
+      </p:nvGrpSpPr>
+      <p:grpSpPr>
+        <a:xfrm>
+          <a:off x="0" y="0"/>
+          <a:ext cx="0" cy="0"/>
+          <a:chOff x="0" y="0"/>
+          <a:chExt cx="0" cy="0"/>
+        </a:xfrm>
+      </p:grpSpPr>
+      <p:sp>
+        <p:nvSpPr>
+          <p:cNvPr id="5" name="內容版面配置區 4"/>
+          <p:cNvSpPr>
+            <a:spLocks noGrp="1"/>
+          </p:cNvSpPr>
+          <p:nvPr>
+            <p:ph idx="1"/>
+          </p:nvPr>
+        </p:nvSpPr>
+        <p:spPr>
+          <a:xfrm>
+            <a:off x="0" y="1563638"/>
+            <a:ext cx="9144000" cy="1803647"/>
+          </a:xfrm>
+        </p:spPr>
+        <p:txBody>
+          <a:bodyPr anchor="ctr">
+            <a:normAutofit/>
+          </a:bodyPr>
+          <a:lstStyle/>
+          <a:p>
+            <a:pPr algn="ctr">
+              <a:buNone/>
+            </a:pPr>
+            <a:r>
+              <a:rPr lang="zh-CN" altLang="en-US" sz="4800" b="1" dirty="0" smtClean="0">
+                <a:solidFill>
+                  <a:srgbClr val="660033"/>
+                </a:solidFill>
+                <a:latin typeface="微軟正黑體" pitchFamily="34" charset="-120"/>
+                <a:ea typeface="微軟正黑體" pitchFamily="34" charset="-120"/>
+              </a:rPr>
+              <a:t>因為</a:t>
+            </a:r>
+            <a:r>
+              <a:rPr lang="zh-CN" altLang="en-US" sz="4800" b="1" dirty="0" smtClean="0">
+                <a:solidFill>
+                  <a:srgbClr val="660033"/>
+                </a:solidFill>
+                <a:latin typeface="微軟正黑體" pitchFamily="34" charset="-120"/>
+                <a:ea typeface="微軟正黑體" pitchFamily="34" charset="-120"/>
+              </a:rPr>
+              <a:t>袮</a:t>
+            </a:r>
+            <a:r>
+              <a:rPr lang="zh-CN" altLang="en-US" sz="4800" b="1" dirty="0" smtClean="0">
+                <a:solidFill>
+                  <a:srgbClr val="660033"/>
+                </a:solidFill>
+                <a:latin typeface="微軟正黑體" pitchFamily="34" charset="-120"/>
+                <a:ea typeface="微軟正黑體" pitchFamily="34" charset="-120"/>
+              </a:rPr>
+              <a:t>與</a:t>
+            </a:r>
+            <a:r>
+              <a:rPr lang="zh-CN" altLang="en-US" sz="4800" b="1" dirty="0" smtClean="0">
+                <a:solidFill>
+                  <a:srgbClr val="660033"/>
+                </a:solidFill>
+                <a:latin typeface="微軟正黑體" pitchFamily="34" charset="-120"/>
+                <a:ea typeface="微軟正黑體" pitchFamily="34" charset="-120"/>
+              </a:rPr>
+              <a:t>我同在</a:t>
+            </a:r>
+            <a:endParaRPr lang="en-US" altLang="zh-CN" sz="4800" b="1" dirty="0" smtClean="0">
+              <a:solidFill>
+                <a:srgbClr val="660033"/>
+              </a:solidFill>
+              <a:latin typeface="微軟正黑體" pitchFamily="34" charset="-120"/>
+              <a:ea typeface="微軟正黑體" pitchFamily="34" charset="-120"/>
+            </a:endParaRPr>
+          </a:p>
+          <a:p>
+            <a:pPr algn="ctr">
+              <a:buNone/>
+            </a:pPr>
+            <a:r>
+              <a:rPr lang="zh-CN" altLang="en-US" sz="4800" b="1" dirty="0" smtClean="0">
+                <a:solidFill>
+                  <a:srgbClr val="660033"/>
+                </a:solidFill>
+                <a:latin typeface="微軟正黑體" pitchFamily="34" charset="-120"/>
+                <a:ea typeface="微軟正黑體" pitchFamily="34" charset="-120"/>
+              </a:rPr>
+              <a:t>袮的杖和竿都安慰我</a:t>
+            </a:r>
+            <a:endParaRPr lang="zh-TW" altLang="en-US" sz="4800" b="1" dirty="0" smtClean="0">
+              <a:solidFill>
+                <a:srgbClr val="660033"/>
+              </a:solidFill>
+              <a:latin typeface="微軟正黑體" pitchFamily="34" charset="-120"/>
+              <a:ea typeface="微軟正黑體" pitchFamily="34" charset="-120"/>
+            </a:endParaRPr>
+          </a:p>
+        </p:txBody>
+      </p:sp>
+      <p:sp>
+        <p:nvSpPr>
+          <p:cNvPr id="3" name="TextBox 2"/>
+          <p:cNvSpPr txBox="1"/>
+          <p:nvPr/>
+        </p:nvSpPr>
+        <p:spPr>
+          <a:xfrm>
+            <a:off x="0" y="3867894"/>
+            <a:ext cx="9144000" cy="523220"/>
+          </a:xfrm>
+          <a:prstGeom prst="rect">
+            <a:avLst/>
+          </a:prstGeom>
+          <a:noFill/>
+        </p:spPr>
+        <p:txBody>
+          <a:bodyPr wrap="square" rtlCol="0">
+            <a:spAutoFit/>
+          </a:bodyPr>
+          <a:lstStyle/>
+          <a:p>
+            <a:pPr algn="ctr"/>
+            <a:r>
+              <a:rPr lang="en-US" sz="2800" b="1" dirty="0" smtClean="0">
+                <a:solidFill>
+                  <a:srgbClr val="660033"/>
+                </a:solidFill>
+                <a:latin typeface="Microsoft JhengHei" panose="020B0604030504040204" pitchFamily="34" charset="-120"/>
+                <a:ea typeface="Microsoft JhengHei" panose="020B0604030504040204" pitchFamily="34" charset="-120"/>
+              </a:rPr>
+              <a:t>( </a:t>
+            </a:r>
+            <a:r>
+              <a:rPr lang="zh-CN" altLang="en-US" sz="2800" b="1" dirty="0" smtClean="0">
+                <a:solidFill>
+                  <a:srgbClr val="660033"/>
+                </a:solidFill>
+                <a:latin typeface="Microsoft JhengHei" panose="020B0604030504040204" pitchFamily="34" charset="-120"/>
+                <a:ea typeface="Microsoft JhengHei" panose="020B0604030504040204" pitchFamily="34" charset="-120"/>
+              </a:rPr>
+              <a:t>正</a:t>
+            </a:r>
+            <a:r>
+              <a:rPr lang="en-US" sz="2800" b="1" dirty="0" smtClean="0">
+                <a:solidFill>
+                  <a:srgbClr val="660033"/>
+                </a:solidFill>
+                <a:latin typeface="Microsoft JhengHei" panose="020B0604030504040204" pitchFamily="34" charset="-120"/>
+                <a:ea typeface="Microsoft JhengHei" panose="020B0604030504040204" pitchFamily="34" charset="-120"/>
+              </a:rPr>
+              <a:t> )</a:t>
+            </a:r>
+            <a:endParaRPr lang="vi-VN" sz="2800" b="1" dirty="0">
+              <a:solidFill>
+                <a:srgbClr val="660033"/>
+              </a:solidFill>
+              <a:ea typeface="Microsoft JhengHei" panose="020B0604030504040204" pitchFamily="34" charset="-120"/>
+            </a:endParaRPr>
+          </a:p>
+        </p:txBody>
+      </p:sp>
+    </p:spTree>
+  </p:cSld>
+  <p:clrMapOvr>
+    <a:masterClrMapping/>
+  </p:clrMapOvr>
+</p:sld>
+</file>
+
+<file path=ppt/slides/slide8.xml><?xml version="1.0" encoding="utf-8"?>
+<p:sld xmlns:a="http://schemas.openxmlformats.org/drawingml/2006/main" xmlns:r="http://schemas.openxmlformats.org/officeDocument/2006/relationships" xmlns:p="http://schemas.openxmlformats.org/presentationml/2006/main">
+  <p:cSld>
+    <p:spTree>
+      <p:nvGrpSpPr>
+        <p:cNvPr id="1" name=""/>
+        <p:cNvGrpSpPr/>
+        <p:nvPr/>
+      </p:nvGrpSpPr>
+      <p:grpSpPr>
+        <a:xfrm>
+          <a:off x="0" y="0"/>
+          <a:ext cx="0" cy="0"/>
+          <a:chOff x="0" y="0"/>
+          <a:chExt cx="0" cy="0"/>
+        </a:xfrm>
+      </p:grpSpPr>
+      <p:sp>
+        <p:nvSpPr>
+          <p:cNvPr id="5" name="內容版面配置區 4"/>
+          <p:cNvSpPr>
+            <a:spLocks noGrp="1"/>
+          </p:cNvSpPr>
+          <p:nvPr>
+            <p:ph idx="1"/>
+          </p:nvPr>
+        </p:nvSpPr>
+        <p:spPr>
+          <a:xfrm>
+            <a:off x="0" y="1563638"/>
+            <a:ext cx="9144000" cy="1803647"/>
+          </a:xfrm>
+        </p:spPr>
+        <p:txBody>
+          <a:bodyPr anchor="ctr">
+            <a:normAutofit/>
+          </a:bodyPr>
+          <a:lstStyle/>
+          <a:p>
+            <a:pPr algn="ctr">
+              <a:buNone/>
+            </a:pPr>
+            <a:r>
+              <a:rPr lang="zh-CN" altLang="en-US" sz="4800" b="1" dirty="0" smtClean="0">
+                <a:solidFill>
+                  <a:srgbClr val="660033"/>
+                </a:solidFill>
+                <a:latin typeface="微軟正黑體" pitchFamily="34" charset="-120"/>
+                <a:ea typeface="微軟正黑體" pitchFamily="34" charset="-120"/>
+              </a:rPr>
+              <a:t>在我敵人面前</a:t>
+            </a:r>
+            <a:endParaRPr lang="en-US" altLang="zh-CN" sz="4800" b="1" dirty="0" smtClean="0">
+              <a:solidFill>
+                <a:srgbClr val="660033"/>
+              </a:solidFill>
+              <a:latin typeface="微軟正黑體" pitchFamily="34" charset="-120"/>
+              <a:ea typeface="微軟正黑體" pitchFamily="34" charset="-120"/>
+            </a:endParaRPr>
+          </a:p>
+          <a:p>
+            <a:pPr algn="ctr">
+              <a:buNone/>
+            </a:pPr>
+            <a:r>
+              <a:rPr lang="zh-CN" altLang="en-US" sz="4800" b="1" dirty="0" smtClean="0">
+                <a:solidFill>
+                  <a:srgbClr val="660033"/>
+                </a:solidFill>
+                <a:latin typeface="微軟正黑體" pitchFamily="34" charset="-120"/>
+                <a:ea typeface="微軟正黑體" pitchFamily="34" charset="-120"/>
+              </a:rPr>
+              <a:t>袮為我擺設筵席</a:t>
+            </a:r>
+            <a:endParaRPr lang="en-US" altLang="zh-CN" sz="4800" b="1" dirty="0" smtClean="0">
+              <a:solidFill>
+                <a:srgbClr val="660033"/>
+              </a:solidFill>
+              <a:latin typeface="微軟正黑體" pitchFamily="34" charset="-120"/>
+              <a:ea typeface="微軟正黑體" pitchFamily="34" charset="-120"/>
+            </a:endParaRPr>
+          </a:p>
+        </p:txBody>
+      </p:sp>
+      <p:sp>
+        <p:nvSpPr>
+          <p:cNvPr id="3" name="TextBox 2"/>
+          <p:cNvSpPr txBox="1"/>
+          <p:nvPr/>
+        </p:nvSpPr>
+        <p:spPr>
+          <a:xfrm>
+            <a:off x="0" y="3867894"/>
+            <a:ext cx="9144000" cy="523220"/>
+          </a:xfrm>
+          <a:prstGeom prst="rect">
+            <a:avLst/>
+          </a:prstGeom>
+          <a:noFill/>
+        </p:spPr>
+        <p:txBody>
+          <a:bodyPr wrap="square" rtlCol="0">
+            <a:spAutoFit/>
+          </a:bodyPr>
+          <a:lstStyle/>
+          <a:p>
+            <a:pPr algn="ctr"/>
+            <a:r>
+              <a:rPr lang="en-US" sz="2800" b="1" dirty="0" smtClean="0">
+                <a:solidFill>
+                  <a:srgbClr val="660033"/>
+                </a:solidFill>
+                <a:latin typeface="Microsoft JhengHei" panose="020B0604030504040204" pitchFamily="34" charset="-120"/>
+                <a:ea typeface="Microsoft JhengHei" panose="020B0604030504040204" pitchFamily="34" charset="-120"/>
+              </a:rPr>
+              <a:t>( </a:t>
+            </a:r>
+            <a:r>
+              <a:rPr lang="zh-CN" altLang="en-US" sz="2800" b="1" dirty="0" smtClean="0">
+                <a:solidFill>
+                  <a:srgbClr val="660033"/>
+                </a:solidFill>
+                <a:latin typeface="Microsoft JhengHei" panose="020B0604030504040204" pitchFamily="34" charset="-120"/>
+                <a:ea typeface="Microsoft JhengHei" panose="020B0604030504040204" pitchFamily="34" charset="-120"/>
+              </a:rPr>
+              <a:t>正</a:t>
+            </a:r>
+            <a:r>
+              <a:rPr lang="en-US" sz="2800" b="1" dirty="0" smtClean="0">
+                <a:solidFill>
+                  <a:srgbClr val="660033"/>
+                </a:solidFill>
+                <a:latin typeface="Microsoft JhengHei" panose="020B0604030504040204" pitchFamily="34" charset="-120"/>
+                <a:ea typeface="Microsoft JhengHei" panose="020B0604030504040204" pitchFamily="34" charset="-120"/>
+              </a:rPr>
+              <a:t> )</a:t>
+            </a:r>
+            <a:endParaRPr lang="vi-VN" sz="2800" b="1" dirty="0">
+              <a:solidFill>
+                <a:srgbClr val="660033"/>
+              </a:solidFill>
+              <a:ea typeface="Microsoft JhengHei" panose="020B0604030504040204" pitchFamily="34" charset="-120"/>
+            </a:endParaRPr>
+          </a:p>
+        </p:txBody>
+      </p:sp>
+    </p:spTree>
+  </p:cSld>
+  <p:clrMapOvr>
+    <a:masterClrMapping/>
+  </p:clrMapOvr>
+</p:sld>
+</file>
+
+<file path=ppt/slides/slide9.xml><?xml version="1.0" encoding="utf-8"?>
+<p:sld xmlns:a="http://schemas.openxmlformats.org/drawingml/2006/main" xmlns:r="http://schemas.openxmlformats.org/officeDocument/2006/relationships" xmlns:p="http://schemas.openxmlformats.org/presentationml/2006/main">
+  <p:cSld>
+    <p:spTree>
+      <p:nvGrpSpPr>
+        <p:cNvPr id="1" name=""/>
+        <p:cNvGrpSpPr/>
+        <p:nvPr/>
+      </p:nvGrpSpPr>
+      <p:grpSpPr>
+        <a:xfrm>
+          <a:off x="0" y="0"/>
+          <a:ext cx="0" cy="0"/>
+          <a:chOff x="0" y="0"/>
+          <a:chExt cx="0" cy="0"/>
+        </a:xfrm>
+      </p:grpSpPr>
+      <p:sp>
+        <p:nvSpPr>
+          <p:cNvPr id="5" name="內容版面配置區 4"/>
+          <p:cNvSpPr>
+            <a:spLocks noGrp="1"/>
+          </p:cNvSpPr>
+          <p:nvPr>
+            <p:ph idx="1"/>
+          </p:nvPr>
+        </p:nvSpPr>
+        <p:spPr>
+          <a:xfrm>
+            <a:off x="0" y="1563638"/>
+            <a:ext cx="9144000" cy="1803647"/>
+          </a:xfrm>
+        </p:spPr>
+        <p:txBody>
+          <a:bodyPr anchor="ctr">
+            <a:normAutofit/>
+          </a:bodyPr>
+          <a:lstStyle/>
+          <a:p>
+            <a:pPr algn="ctr">
+              <a:buNone/>
+            </a:pPr>
+            <a:r>
+              <a:rPr lang="zh-CN" altLang="en-US" sz="4800" b="1" dirty="0" smtClean="0">
+                <a:solidFill>
+                  <a:srgbClr val="660033"/>
+                </a:solidFill>
+                <a:latin typeface="微軟正黑體" pitchFamily="34" charset="-120"/>
+                <a:ea typeface="微軟正黑體" pitchFamily="34" charset="-120"/>
+              </a:rPr>
+              <a:t>袮用油膏了我的頭</a:t>
+            </a:r>
+            <a:endParaRPr lang="en-US" altLang="zh-CN" sz="4800" b="1" dirty="0" smtClean="0">
+              <a:solidFill>
+                <a:srgbClr val="660033"/>
+              </a:solidFill>
+              <a:latin typeface="微軟正黑體" pitchFamily="34" charset="-120"/>
+              <a:ea typeface="微軟正黑體" pitchFamily="34" charset="-120"/>
+            </a:endParaRPr>
+          </a:p>
+          <a:p>
+            <a:pPr algn="ctr">
+              <a:buNone/>
+            </a:pPr>
+            <a:r>
+              <a:rPr lang="zh-CN" altLang="en-US" sz="4800" b="1" dirty="0" smtClean="0">
+                <a:solidFill>
+                  <a:srgbClr val="660033"/>
+                </a:solidFill>
+                <a:latin typeface="微軟正黑體" pitchFamily="34" charset="-120"/>
+                <a:ea typeface="微軟正黑體" pitchFamily="34" charset="-120"/>
+              </a:rPr>
+              <a:t>使我福杯滿溢</a:t>
+            </a:r>
+            <a:endParaRPr lang="zh-TW" altLang="en-US" sz="4800" b="1" dirty="0" smtClean="0">
+              <a:solidFill>
+                <a:srgbClr val="660033"/>
+              </a:solidFill>
+              <a:latin typeface="微軟正黑體" pitchFamily="34" charset="-120"/>
+              <a:ea typeface="微軟正黑體" pitchFamily="34" charset="-120"/>
+            </a:endParaRPr>
+          </a:p>
+        </p:txBody>
+      </p:sp>
+      <p:sp>
+        <p:nvSpPr>
+          <p:cNvPr id="3" name="TextBox 2"/>
+          <p:cNvSpPr txBox="1"/>
+          <p:nvPr/>
+        </p:nvSpPr>
+        <p:spPr>
+          <a:xfrm>
+            <a:off x="0" y="3867894"/>
+            <a:ext cx="9144000" cy="523220"/>
+          </a:xfrm>
+          <a:prstGeom prst="rect">
+            <a:avLst/>
+          </a:prstGeom>
+          <a:noFill/>
+        </p:spPr>
+        <p:txBody>
+          <a:bodyPr wrap="square" rtlCol="0">
+            <a:spAutoFit/>
+          </a:bodyPr>
+          <a:lstStyle/>
+          <a:p>
+            <a:pPr algn="ctr"/>
+            <a:r>
+              <a:rPr lang="en-US" sz="2800" b="1" dirty="0" smtClean="0">
+                <a:solidFill>
+                  <a:srgbClr val="660033"/>
+                </a:solidFill>
+                <a:latin typeface="Microsoft JhengHei" panose="020B0604030504040204" pitchFamily="34" charset="-120"/>
+                <a:ea typeface="Microsoft JhengHei" panose="020B0604030504040204" pitchFamily="34" charset="-120"/>
+              </a:rPr>
+              <a:t>( </a:t>
+            </a:r>
+            <a:r>
+              <a:rPr lang="zh-CN" altLang="en-US" sz="2800" b="1" dirty="0" smtClean="0">
+                <a:solidFill>
+                  <a:srgbClr val="660033"/>
+                </a:solidFill>
+                <a:latin typeface="Microsoft JhengHei" panose="020B0604030504040204" pitchFamily="34" charset="-120"/>
+                <a:ea typeface="Microsoft JhengHei" panose="020B0604030504040204" pitchFamily="34" charset="-120"/>
+              </a:rPr>
+              <a:t>正</a:t>
+            </a:r>
+            <a:r>
+              <a:rPr lang="en-US" sz="2800" b="1" dirty="0" smtClean="0">
+                <a:solidFill>
+                  <a:srgbClr val="660033"/>
+                </a:solidFill>
+                <a:latin typeface="Microsoft JhengHei" panose="020B0604030504040204" pitchFamily="34" charset="-120"/>
+                <a:ea typeface="Microsoft JhengHei" panose="020B0604030504040204" pitchFamily="34" charset="-120"/>
+              </a:rPr>
+              <a:t> )</a:t>
+            </a:r>
+            <a:endParaRPr lang="vi-VN" sz="2800" b="1" dirty="0">
+              <a:solidFill>
+                <a:srgbClr val="660033"/>
+              </a:solidFill>
+              <a:ea typeface="Microsoft JhengHei" panose="020B0604030504040204" pitchFamily="34" charset="-120"/>
+            </a:endParaRPr>
+          </a:p>
+        </p:txBody>
+      </p:sp>
+    </p:spTree>
+  </p:cSld>
+  <p:clrMapOvr>
+    <a:masterClrMapping/>
+  </p:clrMapOvr>
 </p:sld>
 </file>
 
